--- a/08-02-18/T2_Diapositivas.pptx
+++ b/08-02-18/T2_Diapositivas.pptx
@@ -8,6 +8,11 @@
   <p:sldIdLst>
     <p:sldId id="256" r:id="rId4"/>
     <p:sldId id="257" r:id="rId5"/>
+    <p:sldId id="258" r:id="rId6"/>
+    <p:sldId id="259" r:id="rId7"/>
+    <p:sldId id="260" r:id="rId8"/>
+    <p:sldId id="261" r:id="rId9"/>
+    <p:sldId id="262" r:id="rId10"/>
   </p:sldIdLst>
   <p:sldSz cx="10080625" cy="7559675"/>
   <p:notesSz cx="7559675" cy="10691812"/>
@@ -55,7 +60,7 @@
       </p:grpSpPr>
       <p:sp>
         <p:nvSpPr>
-          <p:cNvPr id="30" name="PlaceHolder 1"/>
+          <p:cNvPr id="24" name="PlaceHolder 1"/>
           <p:cNvSpPr>
             <a:spLocks noGrp="1"/>
           </p:cNvSpPr>
@@ -66,27 +71,25 @@
         <p:spPr>
           <a:xfrm>
             <a:off x="360000" y="360000"/>
-            <a:ext cx="9360000" cy="900000"/>
-          </a:xfrm>
-          <a:prstGeom prst="rect">
-            <a:avLst/>
-          </a:prstGeom>
-        </p:spPr>
-        <p:txBody>
-          <a:bodyPr lIns="0" rIns="0" tIns="0" bIns="0" anchor="b"/>
-          <a:p>
-            <a:endParaRPr b="1" lang="es-PE" sz="3200" spc="-1" strike="noStrike">
-              <a:solidFill>
-                <a:srgbClr val="ffffff"/>
-              </a:solidFill>
-              <a:latin typeface="Source Sans Pro Black"/>
-            </a:endParaRPr>
-          </a:p>
-        </p:txBody>
-      </p:sp>
-      <p:sp>
-        <p:nvSpPr>
-          <p:cNvPr id="31" name="PlaceHolder 2"/>
+            <a:ext cx="9359640" cy="899640"/>
+          </a:xfrm>
+          <a:prstGeom prst="rect">
+            <a:avLst/>
+          </a:prstGeom>
+        </p:spPr>
+        <p:txBody>
+          <a:bodyPr lIns="0" rIns="0" tIns="0" bIns="0" anchor="ctr"/>
+          <a:p>
+            <a:pPr algn="ctr"/>
+            <a:endParaRPr b="0" lang="es-PE" sz="4400" spc="-1" strike="noStrike">
+              <a:latin typeface="Arial"/>
+            </a:endParaRPr>
+          </a:p>
+        </p:txBody>
+      </p:sp>
+      <p:sp>
+        <p:nvSpPr>
+          <p:cNvPr id="25" name="PlaceHolder 2"/>
           <p:cNvSpPr>
             <a:spLocks noGrp="1"/>
           </p:cNvSpPr>
@@ -97,29 +100,26 @@
         <p:spPr>
           <a:xfrm>
             <a:off x="360000" y="1980000"/>
-            <a:ext cx="9180000" cy="2232000"/>
-          </a:xfrm>
-          <a:prstGeom prst="rect">
-            <a:avLst/>
-          </a:prstGeom>
-        </p:spPr>
-        <p:txBody>
-          <a:bodyPr lIns="0" rIns="0" tIns="0" bIns="0">
-            <a:normAutofit/>
-          </a:bodyPr>
-          <a:p>
-            <a:endParaRPr b="1" lang="es-PE" sz="2600" spc="-1" strike="noStrike">
-              <a:solidFill>
-                <a:srgbClr val="1c1c1c"/>
-              </a:solidFill>
-              <a:latin typeface="Source Sans Pro Semibold"/>
-            </a:endParaRPr>
-          </a:p>
-        </p:txBody>
-      </p:sp>
-      <p:sp>
-        <p:nvSpPr>
-          <p:cNvPr id="32" name="PlaceHolder 3"/>
+            <a:ext cx="9179640" cy="2232000"/>
+          </a:xfrm>
+          <a:prstGeom prst="rect">
+            <a:avLst/>
+          </a:prstGeom>
+        </p:spPr>
+        <p:txBody>
+          <a:bodyPr lIns="0" rIns="0" tIns="0" bIns="0">
+            <a:normAutofit/>
+          </a:bodyPr>
+          <a:p>
+            <a:endParaRPr b="0" lang="es-PE" sz="3200" spc="-1" strike="noStrike">
+              <a:latin typeface="Arial"/>
+            </a:endParaRPr>
+          </a:p>
+        </p:txBody>
+      </p:sp>
+      <p:sp>
+        <p:nvSpPr>
+          <p:cNvPr id="26" name="PlaceHolder 3"/>
           <p:cNvSpPr>
             <a:spLocks noGrp="1"/>
           </p:cNvSpPr>
@@ -130,22 +130,19 @@
         <p:spPr>
           <a:xfrm>
             <a:off x="360000" y="4424400"/>
-            <a:ext cx="9180000" cy="2232000"/>
-          </a:xfrm>
-          <a:prstGeom prst="rect">
-            <a:avLst/>
-          </a:prstGeom>
-        </p:spPr>
-        <p:txBody>
-          <a:bodyPr lIns="0" rIns="0" tIns="0" bIns="0">
-            <a:normAutofit/>
-          </a:bodyPr>
-          <a:p>
-            <a:endParaRPr b="1" lang="es-PE" sz="2600" spc="-1" strike="noStrike">
-              <a:solidFill>
-                <a:srgbClr val="1c1c1c"/>
-              </a:solidFill>
-              <a:latin typeface="Source Sans Pro Semibold"/>
+            <a:ext cx="9179640" cy="2232000"/>
+          </a:xfrm>
+          <a:prstGeom prst="rect">
+            <a:avLst/>
+          </a:prstGeom>
+        </p:spPr>
+        <p:txBody>
+          <a:bodyPr lIns="0" rIns="0" tIns="0" bIns="0">
+            <a:normAutofit/>
+          </a:bodyPr>
+          <a:p>
+            <a:endParaRPr b="0" lang="es-PE" sz="3200" spc="-1" strike="noStrike">
+              <a:latin typeface="Arial"/>
             </a:endParaRPr>
           </a:p>
         </p:txBody>
@@ -174,7 +171,7 @@
       </p:grpSpPr>
       <p:sp>
         <p:nvSpPr>
-          <p:cNvPr id="33" name="PlaceHolder 1"/>
+          <p:cNvPr id="27" name="PlaceHolder 1"/>
           <p:cNvSpPr>
             <a:spLocks noGrp="1"/>
           </p:cNvSpPr>
@@ -185,27 +182,25 @@
         <p:spPr>
           <a:xfrm>
             <a:off x="360000" y="360000"/>
-            <a:ext cx="9360000" cy="900000"/>
-          </a:xfrm>
-          <a:prstGeom prst="rect">
-            <a:avLst/>
-          </a:prstGeom>
-        </p:spPr>
-        <p:txBody>
-          <a:bodyPr lIns="0" rIns="0" tIns="0" bIns="0" anchor="b"/>
-          <a:p>
-            <a:endParaRPr b="1" lang="es-PE" sz="3200" spc="-1" strike="noStrike">
-              <a:solidFill>
-                <a:srgbClr val="ffffff"/>
-              </a:solidFill>
-              <a:latin typeface="Source Sans Pro Black"/>
-            </a:endParaRPr>
-          </a:p>
-        </p:txBody>
-      </p:sp>
-      <p:sp>
-        <p:nvSpPr>
-          <p:cNvPr id="34" name="PlaceHolder 2"/>
+            <a:ext cx="9359640" cy="899640"/>
+          </a:xfrm>
+          <a:prstGeom prst="rect">
+            <a:avLst/>
+          </a:prstGeom>
+        </p:spPr>
+        <p:txBody>
+          <a:bodyPr lIns="0" rIns="0" tIns="0" bIns="0" anchor="ctr"/>
+          <a:p>
+            <a:pPr algn="ctr"/>
+            <a:endParaRPr b="0" lang="es-PE" sz="4400" spc="-1" strike="noStrike">
+              <a:latin typeface="Arial"/>
+            </a:endParaRPr>
+          </a:p>
+        </p:txBody>
+      </p:sp>
+      <p:sp>
+        <p:nvSpPr>
+          <p:cNvPr id="28" name="PlaceHolder 2"/>
           <p:cNvSpPr>
             <a:spLocks noGrp="1"/>
           </p:cNvSpPr>
@@ -227,18 +222,15 @@
             <a:normAutofit/>
           </a:bodyPr>
           <a:p>
-            <a:endParaRPr b="1" lang="es-PE" sz="2600" spc="-1" strike="noStrike">
-              <a:solidFill>
-                <a:srgbClr val="1c1c1c"/>
-              </a:solidFill>
-              <a:latin typeface="Source Sans Pro Semibold"/>
-            </a:endParaRPr>
-          </a:p>
-        </p:txBody>
-      </p:sp>
-      <p:sp>
-        <p:nvSpPr>
-          <p:cNvPr id="35" name="PlaceHolder 3"/>
+            <a:endParaRPr b="0" lang="es-PE" sz="3200" spc="-1" strike="noStrike">
+              <a:latin typeface="Arial"/>
+            </a:endParaRPr>
+          </a:p>
+        </p:txBody>
+      </p:sp>
+      <p:sp>
+        <p:nvSpPr>
+          <p:cNvPr id="29" name="PlaceHolder 3"/>
           <p:cNvSpPr>
             <a:spLocks noGrp="1"/>
           </p:cNvSpPr>
@@ -260,18 +252,15 @@
             <a:normAutofit/>
           </a:bodyPr>
           <a:p>
-            <a:endParaRPr b="1" lang="es-PE" sz="2600" spc="-1" strike="noStrike">
-              <a:solidFill>
-                <a:srgbClr val="1c1c1c"/>
-              </a:solidFill>
-              <a:latin typeface="Source Sans Pro Semibold"/>
-            </a:endParaRPr>
-          </a:p>
-        </p:txBody>
-      </p:sp>
-      <p:sp>
-        <p:nvSpPr>
-          <p:cNvPr id="36" name="PlaceHolder 4"/>
+            <a:endParaRPr b="0" lang="es-PE" sz="3200" spc="-1" strike="noStrike">
+              <a:latin typeface="Arial"/>
+            </a:endParaRPr>
+          </a:p>
+        </p:txBody>
+      </p:sp>
+      <p:sp>
+        <p:nvSpPr>
+          <p:cNvPr id="30" name="PlaceHolder 4"/>
           <p:cNvSpPr>
             <a:spLocks noGrp="1"/>
           </p:cNvSpPr>
@@ -293,18 +282,15 @@
             <a:normAutofit/>
           </a:bodyPr>
           <a:p>
-            <a:endParaRPr b="1" lang="es-PE" sz="2600" spc="-1" strike="noStrike">
-              <a:solidFill>
-                <a:srgbClr val="1c1c1c"/>
-              </a:solidFill>
-              <a:latin typeface="Source Sans Pro Semibold"/>
-            </a:endParaRPr>
-          </a:p>
-        </p:txBody>
-      </p:sp>
-      <p:sp>
-        <p:nvSpPr>
-          <p:cNvPr id="37" name="PlaceHolder 5"/>
+            <a:endParaRPr b="0" lang="es-PE" sz="3200" spc="-1" strike="noStrike">
+              <a:latin typeface="Arial"/>
+            </a:endParaRPr>
+          </a:p>
+        </p:txBody>
+      </p:sp>
+      <p:sp>
+        <p:nvSpPr>
+          <p:cNvPr id="31" name="PlaceHolder 5"/>
           <p:cNvSpPr>
             <a:spLocks noGrp="1"/>
           </p:cNvSpPr>
@@ -326,11 +312,8 @@
             <a:normAutofit/>
           </a:bodyPr>
           <a:p>
-            <a:endParaRPr b="1" lang="es-PE" sz="2600" spc="-1" strike="noStrike">
-              <a:solidFill>
-                <a:srgbClr val="1c1c1c"/>
-              </a:solidFill>
-              <a:latin typeface="Source Sans Pro Semibold"/>
+            <a:endParaRPr b="0" lang="es-PE" sz="3200" spc="-1" strike="noStrike">
+              <a:latin typeface="Arial"/>
             </a:endParaRPr>
           </a:p>
         </p:txBody>
@@ -359,7 +342,7 @@
       </p:grpSpPr>
       <p:sp>
         <p:nvSpPr>
-          <p:cNvPr id="38" name="PlaceHolder 1"/>
+          <p:cNvPr id="32" name="PlaceHolder 1"/>
           <p:cNvSpPr>
             <a:spLocks noGrp="1"/>
           </p:cNvSpPr>
@@ -370,27 +353,25 @@
         <p:spPr>
           <a:xfrm>
             <a:off x="360000" y="360000"/>
-            <a:ext cx="9360000" cy="900000"/>
-          </a:xfrm>
-          <a:prstGeom prst="rect">
-            <a:avLst/>
-          </a:prstGeom>
-        </p:spPr>
-        <p:txBody>
-          <a:bodyPr lIns="0" rIns="0" tIns="0" bIns="0" anchor="b"/>
-          <a:p>
-            <a:endParaRPr b="1" lang="es-PE" sz="3200" spc="-1" strike="noStrike">
-              <a:solidFill>
-                <a:srgbClr val="ffffff"/>
-              </a:solidFill>
-              <a:latin typeface="Source Sans Pro Black"/>
-            </a:endParaRPr>
-          </a:p>
-        </p:txBody>
-      </p:sp>
-      <p:sp>
-        <p:nvSpPr>
-          <p:cNvPr id="39" name="PlaceHolder 2"/>
+            <a:ext cx="9359640" cy="899640"/>
+          </a:xfrm>
+          <a:prstGeom prst="rect">
+            <a:avLst/>
+          </a:prstGeom>
+        </p:spPr>
+        <p:txBody>
+          <a:bodyPr lIns="0" rIns="0" tIns="0" bIns="0" anchor="ctr"/>
+          <a:p>
+            <a:pPr algn="ctr"/>
+            <a:endParaRPr b="0" lang="es-PE" sz="4400" spc="-1" strike="noStrike">
+              <a:latin typeface="Arial"/>
+            </a:endParaRPr>
+          </a:p>
+        </p:txBody>
+      </p:sp>
+      <p:sp>
+        <p:nvSpPr>
+          <p:cNvPr id="33" name="PlaceHolder 2"/>
           <p:cNvSpPr>
             <a:spLocks noGrp="1"/>
           </p:cNvSpPr>
@@ -412,18 +393,15 @@
             <a:normAutofit/>
           </a:bodyPr>
           <a:p>
-            <a:endParaRPr b="1" lang="es-PE" sz="2600" spc="-1" strike="noStrike">
-              <a:solidFill>
-                <a:srgbClr val="1c1c1c"/>
-              </a:solidFill>
-              <a:latin typeface="Source Sans Pro Semibold"/>
-            </a:endParaRPr>
-          </a:p>
-        </p:txBody>
-      </p:sp>
-      <p:sp>
-        <p:nvSpPr>
-          <p:cNvPr id="40" name="PlaceHolder 3"/>
+            <a:endParaRPr b="0" lang="es-PE" sz="3200" spc="-1" strike="noStrike">
+              <a:latin typeface="Arial"/>
+            </a:endParaRPr>
+          </a:p>
+        </p:txBody>
+      </p:sp>
+      <p:sp>
+        <p:nvSpPr>
+          <p:cNvPr id="34" name="PlaceHolder 3"/>
           <p:cNvSpPr>
             <a:spLocks noGrp="1"/>
           </p:cNvSpPr>
@@ -445,18 +423,15 @@
             <a:normAutofit/>
           </a:bodyPr>
           <a:p>
-            <a:endParaRPr b="1" lang="es-PE" sz="2600" spc="-1" strike="noStrike">
-              <a:solidFill>
-                <a:srgbClr val="1c1c1c"/>
-              </a:solidFill>
-              <a:latin typeface="Source Sans Pro Semibold"/>
-            </a:endParaRPr>
-          </a:p>
-        </p:txBody>
-      </p:sp>
-      <p:sp>
-        <p:nvSpPr>
-          <p:cNvPr id="41" name="PlaceHolder 4"/>
+            <a:endParaRPr b="0" lang="es-PE" sz="3200" spc="-1" strike="noStrike">
+              <a:latin typeface="Arial"/>
+            </a:endParaRPr>
+          </a:p>
+        </p:txBody>
+      </p:sp>
+      <p:sp>
+        <p:nvSpPr>
+          <p:cNvPr id="35" name="PlaceHolder 4"/>
           <p:cNvSpPr>
             <a:spLocks noGrp="1"/>
           </p:cNvSpPr>
@@ -478,18 +453,15 @@
             <a:normAutofit/>
           </a:bodyPr>
           <a:p>
-            <a:endParaRPr b="1" lang="es-PE" sz="2600" spc="-1" strike="noStrike">
-              <a:solidFill>
-                <a:srgbClr val="1c1c1c"/>
-              </a:solidFill>
-              <a:latin typeface="Source Sans Pro Semibold"/>
-            </a:endParaRPr>
-          </a:p>
-        </p:txBody>
-      </p:sp>
-      <p:sp>
-        <p:nvSpPr>
-          <p:cNvPr id="42" name="PlaceHolder 5"/>
+            <a:endParaRPr b="0" lang="es-PE" sz="3200" spc="-1" strike="noStrike">
+              <a:latin typeface="Arial"/>
+            </a:endParaRPr>
+          </a:p>
+        </p:txBody>
+      </p:sp>
+      <p:sp>
+        <p:nvSpPr>
+          <p:cNvPr id="36" name="PlaceHolder 5"/>
           <p:cNvSpPr>
             <a:spLocks noGrp="1"/>
           </p:cNvSpPr>
@@ -511,18 +483,15 @@
             <a:normAutofit/>
           </a:bodyPr>
           <a:p>
-            <a:endParaRPr b="1" lang="es-PE" sz="2600" spc="-1" strike="noStrike">
-              <a:solidFill>
-                <a:srgbClr val="1c1c1c"/>
-              </a:solidFill>
-              <a:latin typeface="Source Sans Pro Semibold"/>
-            </a:endParaRPr>
-          </a:p>
-        </p:txBody>
-      </p:sp>
-      <p:sp>
-        <p:nvSpPr>
-          <p:cNvPr id="43" name="PlaceHolder 6"/>
+            <a:endParaRPr b="0" lang="es-PE" sz="3200" spc="-1" strike="noStrike">
+              <a:latin typeface="Arial"/>
+            </a:endParaRPr>
+          </a:p>
+        </p:txBody>
+      </p:sp>
+      <p:sp>
+        <p:nvSpPr>
+          <p:cNvPr id="37" name="PlaceHolder 6"/>
           <p:cNvSpPr>
             <a:spLocks noGrp="1"/>
           </p:cNvSpPr>
@@ -544,18 +513,15 @@
             <a:normAutofit/>
           </a:bodyPr>
           <a:p>
-            <a:endParaRPr b="1" lang="es-PE" sz="2600" spc="-1" strike="noStrike">
-              <a:solidFill>
-                <a:srgbClr val="1c1c1c"/>
-              </a:solidFill>
-              <a:latin typeface="Source Sans Pro Semibold"/>
-            </a:endParaRPr>
-          </a:p>
-        </p:txBody>
-      </p:sp>
-      <p:sp>
-        <p:nvSpPr>
-          <p:cNvPr id="44" name="PlaceHolder 7"/>
+            <a:endParaRPr b="0" lang="es-PE" sz="3200" spc="-1" strike="noStrike">
+              <a:latin typeface="Arial"/>
+            </a:endParaRPr>
+          </a:p>
+        </p:txBody>
+      </p:sp>
+      <p:sp>
+        <p:nvSpPr>
+          <p:cNvPr id="38" name="PlaceHolder 7"/>
           <p:cNvSpPr>
             <a:spLocks noGrp="1"/>
           </p:cNvSpPr>
@@ -577,11 +543,8 @@
             <a:normAutofit/>
           </a:bodyPr>
           <a:p>
-            <a:endParaRPr b="1" lang="es-PE" sz="2600" spc="-1" strike="noStrike">
-              <a:solidFill>
-                <a:srgbClr val="1c1c1c"/>
-              </a:solidFill>
-              <a:latin typeface="Source Sans Pro Semibold"/>
+            <a:endParaRPr b="0" lang="es-PE" sz="3200" spc="-1" strike="noStrike">
+              <a:latin typeface="Arial"/>
             </a:endParaRPr>
           </a:p>
         </p:txBody>
@@ -632,7 +595,7 @@
       </p:grpSpPr>
       <p:sp>
         <p:nvSpPr>
-          <p:cNvPr id="51" name="PlaceHolder 1"/>
+          <p:cNvPr id="45" name="PlaceHolder 1"/>
           <p:cNvSpPr>
             <a:spLocks noGrp="1"/>
           </p:cNvSpPr>
@@ -643,27 +606,25 @@
         <p:spPr>
           <a:xfrm>
             <a:off x="360000" y="360000"/>
-            <a:ext cx="9360000" cy="900000"/>
-          </a:xfrm>
-          <a:prstGeom prst="rect">
-            <a:avLst/>
-          </a:prstGeom>
-        </p:spPr>
-        <p:txBody>
-          <a:bodyPr lIns="0" rIns="0" tIns="0" bIns="0" anchor="b"/>
-          <a:p>
-            <a:endParaRPr b="1" lang="es-PE" sz="3200" spc="-1" strike="noStrike">
-              <a:solidFill>
-                <a:srgbClr val="ffffff"/>
-              </a:solidFill>
-              <a:latin typeface="Source Sans Pro Black"/>
-            </a:endParaRPr>
-          </a:p>
-        </p:txBody>
-      </p:sp>
-      <p:sp>
-        <p:nvSpPr>
-          <p:cNvPr id="52" name="PlaceHolder 2"/>
+            <a:ext cx="9359640" cy="899640"/>
+          </a:xfrm>
+          <a:prstGeom prst="rect">
+            <a:avLst/>
+          </a:prstGeom>
+        </p:spPr>
+        <p:txBody>
+          <a:bodyPr lIns="0" rIns="0" tIns="0" bIns="0" anchor="ctr"/>
+          <a:p>
+            <a:pPr algn="ctr"/>
+            <a:endParaRPr b="0" lang="es-PE" sz="4400" spc="-1" strike="noStrike">
+              <a:latin typeface="Arial"/>
+            </a:endParaRPr>
+          </a:p>
+        </p:txBody>
+      </p:sp>
+      <p:sp>
+        <p:nvSpPr>
+          <p:cNvPr id="46" name="PlaceHolder 2"/>
           <p:cNvSpPr>
             <a:spLocks noGrp="1"/>
           </p:cNvSpPr>
@@ -674,20 +635,18 @@
         <p:spPr>
           <a:xfrm>
             <a:off x="360000" y="1980000"/>
-            <a:ext cx="9180000" cy="4680000"/>
-          </a:xfrm>
-          <a:prstGeom prst="rect">
-            <a:avLst/>
-          </a:prstGeom>
-        </p:spPr>
-        <p:txBody>
-          <a:bodyPr lIns="0" rIns="0" tIns="0" bIns="0"/>
-          <a:p>
-            <a:endParaRPr b="0" lang="es-PE" sz="2600" spc="-1" strike="noStrike">
-              <a:solidFill>
-                <a:srgbClr val="1c1c1c"/>
-              </a:solidFill>
-              <a:latin typeface="Source Sans Pro Light"/>
+            <a:ext cx="9179640" cy="4679640"/>
+          </a:xfrm>
+          <a:prstGeom prst="rect">
+            <a:avLst/>
+          </a:prstGeom>
+        </p:spPr>
+        <p:txBody>
+          <a:bodyPr lIns="0" rIns="0" tIns="0" bIns="0" anchor="ctr"/>
+          <a:p>
+            <a:pPr algn="ctr"/>
+            <a:endParaRPr b="0" lang="es-PE" sz="3200" spc="-1" strike="noStrike">
+              <a:latin typeface="Arial"/>
             </a:endParaRPr>
           </a:p>
         </p:txBody>
@@ -716,7 +675,7 @@
       </p:grpSpPr>
       <p:sp>
         <p:nvSpPr>
-          <p:cNvPr id="53" name="PlaceHolder 1"/>
+          <p:cNvPr id="47" name="PlaceHolder 1"/>
           <p:cNvSpPr>
             <a:spLocks noGrp="1"/>
           </p:cNvSpPr>
@@ -727,27 +686,25 @@
         <p:spPr>
           <a:xfrm>
             <a:off x="360000" y="360000"/>
-            <a:ext cx="9360000" cy="900000"/>
-          </a:xfrm>
-          <a:prstGeom prst="rect">
-            <a:avLst/>
-          </a:prstGeom>
-        </p:spPr>
-        <p:txBody>
-          <a:bodyPr lIns="0" rIns="0" tIns="0" bIns="0" anchor="b"/>
-          <a:p>
-            <a:endParaRPr b="1" lang="es-PE" sz="3200" spc="-1" strike="noStrike">
-              <a:solidFill>
-                <a:srgbClr val="ffffff"/>
-              </a:solidFill>
-              <a:latin typeface="Source Sans Pro Black"/>
-            </a:endParaRPr>
-          </a:p>
-        </p:txBody>
-      </p:sp>
-      <p:sp>
-        <p:nvSpPr>
-          <p:cNvPr id="54" name="PlaceHolder 2"/>
+            <a:ext cx="9359640" cy="899640"/>
+          </a:xfrm>
+          <a:prstGeom prst="rect">
+            <a:avLst/>
+          </a:prstGeom>
+        </p:spPr>
+        <p:txBody>
+          <a:bodyPr lIns="0" rIns="0" tIns="0" bIns="0" anchor="ctr"/>
+          <a:p>
+            <a:pPr algn="ctr"/>
+            <a:endParaRPr b="0" lang="es-PE" sz="4400" spc="-1" strike="noStrike">
+              <a:latin typeface="Arial"/>
+            </a:endParaRPr>
+          </a:p>
+        </p:txBody>
+      </p:sp>
+      <p:sp>
+        <p:nvSpPr>
+          <p:cNvPr id="48" name="PlaceHolder 2"/>
           <p:cNvSpPr>
             <a:spLocks noGrp="1"/>
           </p:cNvSpPr>
@@ -758,22 +715,19 @@
         <p:spPr>
           <a:xfrm>
             <a:off x="360000" y="1980000"/>
-            <a:ext cx="9180000" cy="4680000"/>
-          </a:xfrm>
-          <a:prstGeom prst="rect">
-            <a:avLst/>
-          </a:prstGeom>
-        </p:spPr>
-        <p:txBody>
-          <a:bodyPr lIns="0" rIns="0" tIns="0" bIns="0">
-            <a:normAutofit/>
-          </a:bodyPr>
-          <a:p>
-            <a:endParaRPr b="1" lang="es-PE" sz="2600" spc="-1" strike="noStrike">
-              <a:solidFill>
-                <a:srgbClr val="1c1c1c"/>
-              </a:solidFill>
-              <a:latin typeface="Source Sans Pro Semibold"/>
+            <a:ext cx="9179640" cy="4679640"/>
+          </a:xfrm>
+          <a:prstGeom prst="rect">
+            <a:avLst/>
+          </a:prstGeom>
+        </p:spPr>
+        <p:txBody>
+          <a:bodyPr lIns="0" rIns="0" tIns="0" bIns="0">
+            <a:normAutofit/>
+          </a:bodyPr>
+          <a:p>
+            <a:endParaRPr b="0" lang="es-PE" sz="3200" spc="-1" strike="noStrike">
+              <a:latin typeface="Arial"/>
             </a:endParaRPr>
           </a:p>
         </p:txBody>
@@ -802,7 +756,7 @@
       </p:grpSpPr>
       <p:sp>
         <p:nvSpPr>
-          <p:cNvPr id="55" name="PlaceHolder 1"/>
+          <p:cNvPr id="49" name="PlaceHolder 1"/>
           <p:cNvSpPr>
             <a:spLocks noGrp="1"/>
           </p:cNvSpPr>
@@ -813,27 +767,25 @@
         <p:spPr>
           <a:xfrm>
             <a:off x="360000" y="360000"/>
-            <a:ext cx="9360000" cy="900000"/>
-          </a:xfrm>
-          <a:prstGeom prst="rect">
-            <a:avLst/>
-          </a:prstGeom>
-        </p:spPr>
-        <p:txBody>
-          <a:bodyPr lIns="0" rIns="0" tIns="0" bIns="0" anchor="b"/>
-          <a:p>
-            <a:endParaRPr b="1" lang="es-PE" sz="3200" spc="-1" strike="noStrike">
-              <a:solidFill>
-                <a:srgbClr val="ffffff"/>
-              </a:solidFill>
-              <a:latin typeface="Source Sans Pro Black"/>
-            </a:endParaRPr>
-          </a:p>
-        </p:txBody>
-      </p:sp>
-      <p:sp>
-        <p:nvSpPr>
-          <p:cNvPr id="56" name="PlaceHolder 2"/>
+            <a:ext cx="9359640" cy="899640"/>
+          </a:xfrm>
+          <a:prstGeom prst="rect">
+            <a:avLst/>
+          </a:prstGeom>
+        </p:spPr>
+        <p:txBody>
+          <a:bodyPr lIns="0" rIns="0" tIns="0" bIns="0" anchor="ctr"/>
+          <a:p>
+            <a:pPr algn="ctr"/>
+            <a:endParaRPr b="0" lang="es-PE" sz="4400" spc="-1" strike="noStrike">
+              <a:latin typeface="Arial"/>
+            </a:endParaRPr>
+          </a:p>
+        </p:txBody>
+      </p:sp>
+      <p:sp>
+        <p:nvSpPr>
+          <p:cNvPr id="50" name="PlaceHolder 2"/>
           <p:cNvSpPr>
             <a:spLocks noGrp="1"/>
           </p:cNvSpPr>
@@ -844,29 +796,26 @@
         <p:spPr>
           <a:xfrm>
             <a:off x="360000" y="1980000"/>
-            <a:ext cx="4479480" cy="4680000"/>
-          </a:xfrm>
-          <a:prstGeom prst="rect">
-            <a:avLst/>
-          </a:prstGeom>
-        </p:spPr>
-        <p:txBody>
-          <a:bodyPr lIns="0" rIns="0" tIns="0" bIns="0">
-            <a:normAutofit/>
-          </a:bodyPr>
-          <a:p>
-            <a:endParaRPr b="1" lang="es-PE" sz="2600" spc="-1" strike="noStrike">
-              <a:solidFill>
-                <a:srgbClr val="1c1c1c"/>
-              </a:solidFill>
-              <a:latin typeface="Source Sans Pro Semibold"/>
-            </a:endParaRPr>
-          </a:p>
-        </p:txBody>
-      </p:sp>
-      <p:sp>
-        <p:nvSpPr>
-          <p:cNvPr id="57" name="PlaceHolder 3"/>
+            <a:ext cx="4479480" cy="4679640"/>
+          </a:xfrm>
+          <a:prstGeom prst="rect">
+            <a:avLst/>
+          </a:prstGeom>
+        </p:spPr>
+        <p:txBody>
+          <a:bodyPr lIns="0" rIns="0" tIns="0" bIns="0">
+            <a:normAutofit/>
+          </a:bodyPr>
+          <a:p>
+            <a:endParaRPr b="0" lang="es-PE" sz="3200" spc="-1" strike="noStrike">
+              <a:latin typeface="Arial"/>
+            </a:endParaRPr>
+          </a:p>
+        </p:txBody>
+      </p:sp>
+      <p:sp>
+        <p:nvSpPr>
+          <p:cNvPr id="51" name="PlaceHolder 3"/>
           <p:cNvSpPr>
             <a:spLocks noGrp="1"/>
           </p:cNvSpPr>
@@ -877,22 +826,19 @@
         <p:spPr>
           <a:xfrm>
             <a:off x="5063760" y="1980000"/>
-            <a:ext cx="4479480" cy="4680000"/>
-          </a:xfrm>
-          <a:prstGeom prst="rect">
-            <a:avLst/>
-          </a:prstGeom>
-        </p:spPr>
-        <p:txBody>
-          <a:bodyPr lIns="0" rIns="0" tIns="0" bIns="0">
-            <a:normAutofit/>
-          </a:bodyPr>
-          <a:p>
-            <a:endParaRPr b="1" lang="es-PE" sz="2600" spc="-1" strike="noStrike">
-              <a:solidFill>
-                <a:srgbClr val="1c1c1c"/>
-              </a:solidFill>
-              <a:latin typeface="Source Sans Pro Semibold"/>
+            <a:ext cx="4479480" cy="4679640"/>
+          </a:xfrm>
+          <a:prstGeom prst="rect">
+            <a:avLst/>
+          </a:prstGeom>
+        </p:spPr>
+        <p:txBody>
+          <a:bodyPr lIns="0" rIns="0" tIns="0" bIns="0">
+            <a:normAutofit/>
+          </a:bodyPr>
+          <a:p>
+            <a:endParaRPr b="0" lang="es-PE" sz="3200" spc="-1" strike="noStrike">
+              <a:latin typeface="Arial"/>
             </a:endParaRPr>
           </a:p>
         </p:txBody>
@@ -921,7 +867,7 @@
       </p:grpSpPr>
       <p:sp>
         <p:nvSpPr>
-          <p:cNvPr id="58" name="PlaceHolder 1"/>
+          <p:cNvPr id="52" name="PlaceHolder 1"/>
           <p:cNvSpPr>
             <a:spLocks noGrp="1"/>
           </p:cNvSpPr>
@@ -932,20 +878,18 @@
         <p:spPr>
           <a:xfrm>
             <a:off x="360000" y="360000"/>
-            <a:ext cx="9360000" cy="900000"/>
-          </a:xfrm>
-          <a:prstGeom prst="rect">
-            <a:avLst/>
-          </a:prstGeom>
-        </p:spPr>
-        <p:txBody>
-          <a:bodyPr lIns="0" rIns="0" tIns="0" bIns="0" anchor="b"/>
-          <a:p>
-            <a:endParaRPr b="1" lang="es-PE" sz="3200" spc="-1" strike="noStrike">
-              <a:solidFill>
-                <a:srgbClr val="ffffff"/>
-              </a:solidFill>
-              <a:latin typeface="Source Sans Pro Black"/>
+            <a:ext cx="9359640" cy="899640"/>
+          </a:xfrm>
+          <a:prstGeom prst="rect">
+            <a:avLst/>
+          </a:prstGeom>
+        </p:spPr>
+        <p:txBody>
+          <a:bodyPr lIns="0" rIns="0" tIns="0" bIns="0" anchor="ctr"/>
+          <a:p>
+            <a:pPr algn="ctr"/>
+            <a:endParaRPr b="0" lang="es-PE" sz="4400" spc="-1" strike="noStrike">
+              <a:latin typeface="Arial"/>
             </a:endParaRPr>
           </a:p>
         </p:txBody>
@@ -974,7 +918,7 @@
       </p:grpSpPr>
       <p:sp>
         <p:nvSpPr>
-          <p:cNvPr id="59" name="PlaceHolder 1"/>
+          <p:cNvPr id="53" name="PlaceHolder 1"/>
           <p:cNvSpPr>
             <a:spLocks noGrp="1"/>
           </p:cNvSpPr>
@@ -985,20 +929,18 @@
         <p:spPr>
           <a:xfrm>
             <a:off x="360000" y="360000"/>
-            <a:ext cx="9360000" cy="4173120"/>
-          </a:xfrm>
-          <a:prstGeom prst="rect">
-            <a:avLst/>
-          </a:prstGeom>
-        </p:spPr>
-        <p:txBody>
-          <a:bodyPr lIns="0" rIns="0" tIns="0" bIns="0"/>
-          <a:p>
-            <a:endParaRPr b="0" lang="es-PE" sz="2600" spc="-1" strike="noStrike">
-              <a:solidFill>
-                <a:srgbClr val="1c1c1c"/>
-              </a:solidFill>
-              <a:latin typeface="Source Sans Pro Light"/>
+            <a:ext cx="9359640" cy="4171680"/>
+          </a:xfrm>
+          <a:prstGeom prst="rect">
+            <a:avLst/>
+          </a:prstGeom>
+        </p:spPr>
+        <p:txBody>
+          <a:bodyPr lIns="0" rIns="0" tIns="0" bIns="0" anchor="ctr"/>
+          <a:p>
+            <a:pPr algn="ctr"/>
+            <a:endParaRPr b="0" lang="es-PE" sz="3200" spc="-1" strike="noStrike">
+              <a:latin typeface="Arial"/>
             </a:endParaRPr>
           </a:p>
         </p:txBody>
@@ -1027,7 +969,7 @@
       </p:grpSpPr>
       <p:sp>
         <p:nvSpPr>
-          <p:cNvPr id="60" name="PlaceHolder 1"/>
+          <p:cNvPr id="54" name="PlaceHolder 1"/>
           <p:cNvSpPr>
             <a:spLocks noGrp="1"/>
           </p:cNvSpPr>
@@ -1038,27 +980,25 @@
         <p:spPr>
           <a:xfrm>
             <a:off x="360000" y="360000"/>
-            <a:ext cx="9360000" cy="900000"/>
-          </a:xfrm>
-          <a:prstGeom prst="rect">
-            <a:avLst/>
-          </a:prstGeom>
-        </p:spPr>
-        <p:txBody>
-          <a:bodyPr lIns="0" rIns="0" tIns="0" bIns="0" anchor="b"/>
-          <a:p>
-            <a:endParaRPr b="1" lang="es-PE" sz="3200" spc="-1" strike="noStrike">
-              <a:solidFill>
-                <a:srgbClr val="ffffff"/>
-              </a:solidFill>
-              <a:latin typeface="Source Sans Pro Black"/>
-            </a:endParaRPr>
-          </a:p>
-        </p:txBody>
-      </p:sp>
-      <p:sp>
-        <p:nvSpPr>
-          <p:cNvPr id="61" name="PlaceHolder 2"/>
+            <a:ext cx="9359640" cy="899640"/>
+          </a:xfrm>
+          <a:prstGeom prst="rect">
+            <a:avLst/>
+          </a:prstGeom>
+        </p:spPr>
+        <p:txBody>
+          <a:bodyPr lIns="0" rIns="0" tIns="0" bIns="0" anchor="ctr"/>
+          <a:p>
+            <a:pPr algn="ctr"/>
+            <a:endParaRPr b="0" lang="es-PE" sz="4400" spc="-1" strike="noStrike">
+              <a:latin typeface="Arial"/>
+            </a:endParaRPr>
+          </a:p>
+        </p:txBody>
+      </p:sp>
+      <p:sp>
+        <p:nvSpPr>
+          <p:cNvPr id="55" name="PlaceHolder 2"/>
           <p:cNvSpPr>
             <a:spLocks noGrp="1"/>
           </p:cNvSpPr>
@@ -1080,18 +1020,15 @@
             <a:normAutofit/>
           </a:bodyPr>
           <a:p>
-            <a:endParaRPr b="1" lang="es-PE" sz="2600" spc="-1" strike="noStrike">
-              <a:solidFill>
-                <a:srgbClr val="1c1c1c"/>
-              </a:solidFill>
-              <a:latin typeface="Source Sans Pro Semibold"/>
-            </a:endParaRPr>
-          </a:p>
-        </p:txBody>
-      </p:sp>
-      <p:sp>
-        <p:nvSpPr>
-          <p:cNvPr id="62" name="PlaceHolder 3"/>
+            <a:endParaRPr b="0" lang="es-PE" sz="3200" spc="-1" strike="noStrike">
+              <a:latin typeface="Arial"/>
+            </a:endParaRPr>
+          </a:p>
+        </p:txBody>
+      </p:sp>
+      <p:sp>
+        <p:nvSpPr>
+          <p:cNvPr id="56" name="PlaceHolder 3"/>
           <p:cNvSpPr>
             <a:spLocks noGrp="1"/>
           </p:cNvSpPr>
@@ -1113,18 +1050,15 @@
             <a:normAutofit/>
           </a:bodyPr>
           <a:p>
-            <a:endParaRPr b="1" lang="es-PE" sz="2600" spc="-1" strike="noStrike">
-              <a:solidFill>
-                <a:srgbClr val="1c1c1c"/>
-              </a:solidFill>
-              <a:latin typeface="Source Sans Pro Semibold"/>
-            </a:endParaRPr>
-          </a:p>
-        </p:txBody>
-      </p:sp>
-      <p:sp>
-        <p:nvSpPr>
-          <p:cNvPr id="63" name="PlaceHolder 4"/>
+            <a:endParaRPr b="0" lang="es-PE" sz="3200" spc="-1" strike="noStrike">
+              <a:latin typeface="Arial"/>
+            </a:endParaRPr>
+          </a:p>
+        </p:txBody>
+      </p:sp>
+      <p:sp>
+        <p:nvSpPr>
+          <p:cNvPr id="57" name="PlaceHolder 4"/>
           <p:cNvSpPr>
             <a:spLocks noGrp="1"/>
           </p:cNvSpPr>
@@ -1135,22 +1069,19 @@
         <p:spPr>
           <a:xfrm>
             <a:off x="5063760" y="1980000"/>
-            <a:ext cx="4479480" cy="4680000"/>
-          </a:xfrm>
-          <a:prstGeom prst="rect">
-            <a:avLst/>
-          </a:prstGeom>
-        </p:spPr>
-        <p:txBody>
-          <a:bodyPr lIns="0" rIns="0" tIns="0" bIns="0">
-            <a:normAutofit/>
-          </a:bodyPr>
-          <a:p>
-            <a:endParaRPr b="1" lang="es-PE" sz="2600" spc="-1" strike="noStrike">
-              <a:solidFill>
-                <a:srgbClr val="1c1c1c"/>
-              </a:solidFill>
-              <a:latin typeface="Source Sans Pro Semibold"/>
+            <a:ext cx="4479480" cy="4679640"/>
+          </a:xfrm>
+          <a:prstGeom prst="rect">
+            <a:avLst/>
+          </a:prstGeom>
+        </p:spPr>
+        <p:txBody>
+          <a:bodyPr lIns="0" rIns="0" tIns="0" bIns="0">
+            <a:normAutofit/>
+          </a:bodyPr>
+          <a:p>
+            <a:endParaRPr b="0" lang="es-PE" sz="3200" spc="-1" strike="noStrike">
+              <a:latin typeface="Arial"/>
             </a:endParaRPr>
           </a:p>
         </p:txBody>
@@ -1179,7 +1110,7 @@
       </p:grpSpPr>
       <p:sp>
         <p:nvSpPr>
-          <p:cNvPr id="9" name="PlaceHolder 1"/>
+          <p:cNvPr id="3" name="PlaceHolder 1"/>
           <p:cNvSpPr>
             <a:spLocks noGrp="1"/>
           </p:cNvSpPr>
@@ -1190,27 +1121,25 @@
         <p:spPr>
           <a:xfrm>
             <a:off x="360000" y="360000"/>
-            <a:ext cx="9360000" cy="900000"/>
-          </a:xfrm>
-          <a:prstGeom prst="rect">
-            <a:avLst/>
-          </a:prstGeom>
-        </p:spPr>
-        <p:txBody>
-          <a:bodyPr lIns="0" rIns="0" tIns="0" bIns="0" anchor="b"/>
-          <a:p>
-            <a:endParaRPr b="1" lang="es-PE" sz="3200" spc="-1" strike="noStrike">
-              <a:solidFill>
-                <a:srgbClr val="ffffff"/>
-              </a:solidFill>
-              <a:latin typeface="Source Sans Pro Black"/>
-            </a:endParaRPr>
-          </a:p>
-        </p:txBody>
-      </p:sp>
-      <p:sp>
-        <p:nvSpPr>
-          <p:cNvPr id="10" name="PlaceHolder 2"/>
+            <a:ext cx="9359640" cy="899640"/>
+          </a:xfrm>
+          <a:prstGeom prst="rect">
+            <a:avLst/>
+          </a:prstGeom>
+        </p:spPr>
+        <p:txBody>
+          <a:bodyPr lIns="0" rIns="0" tIns="0" bIns="0" anchor="ctr"/>
+          <a:p>
+            <a:pPr algn="ctr"/>
+            <a:endParaRPr b="0" lang="es-PE" sz="4400" spc="-1" strike="noStrike">
+              <a:latin typeface="Arial"/>
+            </a:endParaRPr>
+          </a:p>
+        </p:txBody>
+      </p:sp>
+      <p:sp>
+        <p:nvSpPr>
+          <p:cNvPr id="4" name="PlaceHolder 2"/>
           <p:cNvSpPr>
             <a:spLocks noGrp="1"/>
           </p:cNvSpPr>
@@ -1221,20 +1150,18 @@
         <p:spPr>
           <a:xfrm>
             <a:off x="360000" y="1980000"/>
-            <a:ext cx="9180000" cy="4680000"/>
-          </a:xfrm>
-          <a:prstGeom prst="rect">
-            <a:avLst/>
-          </a:prstGeom>
-        </p:spPr>
-        <p:txBody>
-          <a:bodyPr lIns="0" rIns="0" tIns="0" bIns="0"/>
-          <a:p>
-            <a:endParaRPr b="0" lang="es-PE" sz="2600" spc="-1" strike="noStrike">
-              <a:solidFill>
-                <a:srgbClr val="1c1c1c"/>
-              </a:solidFill>
-              <a:latin typeface="Source Sans Pro Light"/>
+            <a:ext cx="9179640" cy="4679640"/>
+          </a:xfrm>
+          <a:prstGeom prst="rect">
+            <a:avLst/>
+          </a:prstGeom>
+        </p:spPr>
+        <p:txBody>
+          <a:bodyPr lIns="0" rIns="0" tIns="0" bIns="0" anchor="ctr"/>
+          <a:p>
+            <a:pPr algn="ctr"/>
+            <a:endParaRPr b="0" lang="es-PE" sz="3200" spc="-1" strike="noStrike">
+              <a:latin typeface="Arial"/>
             </a:endParaRPr>
           </a:p>
         </p:txBody>
@@ -1263,7 +1190,7 @@
       </p:grpSpPr>
       <p:sp>
         <p:nvSpPr>
-          <p:cNvPr id="64" name="PlaceHolder 1"/>
+          <p:cNvPr id="58" name="PlaceHolder 1"/>
           <p:cNvSpPr>
             <a:spLocks noGrp="1"/>
           </p:cNvSpPr>
@@ -1274,27 +1201,25 @@
         <p:spPr>
           <a:xfrm>
             <a:off x="360000" y="360000"/>
-            <a:ext cx="9360000" cy="900000"/>
-          </a:xfrm>
-          <a:prstGeom prst="rect">
-            <a:avLst/>
-          </a:prstGeom>
-        </p:spPr>
-        <p:txBody>
-          <a:bodyPr lIns="0" rIns="0" tIns="0" bIns="0" anchor="b"/>
-          <a:p>
-            <a:endParaRPr b="1" lang="es-PE" sz="3200" spc="-1" strike="noStrike">
-              <a:solidFill>
-                <a:srgbClr val="ffffff"/>
-              </a:solidFill>
-              <a:latin typeface="Source Sans Pro Black"/>
-            </a:endParaRPr>
-          </a:p>
-        </p:txBody>
-      </p:sp>
-      <p:sp>
-        <p:nvSpPr>
-          <p:cNvPr id="65" name="PlaceHolder 2"/>
+            <a:ext cx="9359640" cy="899640"/>
+          </a:xfrm>
+          <a:prstGeom prst="rect">
+            <a:avLst/>
+          </a:prstGeom>
+        </p:spPr>
+        <p:txBody>
+          <a:bodyPr lIns="0" rIns="0" tIns="0" bIns="0" anchor="ctr"/>
+          <a:p>
+            <a:pPr algn="ctr"/>
+            <a:endParaRPr b="0" lang="es-PE" sz="4400" spc="-1" strike="noStrike">
+              <a:latin typeface="Arial"/>
+            </a:endParaRPr>
+          </a:p>
+        </p:txBody>
+      </p:sp>
+      <p:sp>
+        <p:nvSpPr>
+          <p:cNvPr id="59" name="PlaceHolder 2"/>
           <p:cNvSpPr>
             <a:spLocks noGrp="1"/>
           </p:cNvSpPr>
@@ -1305,29 +1230,26 @@
         <p:spPr>
           <a:xfrm>
             <a:off x="360000" y="1980000"/>
-            <a:ext cx="4479480" cy="4680000"/>
-          </a:xfrm>
-          <a:prstGeom prst="rect">
-            <a:avLst/>
-          </a:prstGeom>
-        </p:spPr>
-        <p:txBody>
-          <a:bodyPr lIns="0" rIns="0" tIns="0" bIns="0">
-            <a:normAutofit/>
-          </a:bodyPr>
-          <a:p>
-            <a:endParaRPr b="1" lang="es-PE" sz="2600" spc="-1" strike="noStrike">
-              <a:solidFill>
-                <a:srgbClr val="1c1c1c"/>
-              </a:solidFill>
-              <a:latin typeface="Source Sans Pro Semibold"/>
-            </a:endParaRPr>
-          </a:p>
-        </p:txBody>
-      </p:sp>
-      <p:sp>
-        <p:nvSpPr>
-          <p:cNvPr id="66" name="PlaceHolder 3"/>
+            <a:ext cx="4479480" cy="4679640"/>
+          </a:xfrm>
+          <a:prstGeom prst="rect">
+            <a:avLst/>
+          </a:prstGeom>
+        </p:spPr>
+        <p:txBody>
+          <a:bodyPr lIns="0" rIns="0" tIns="0" bIns="0">
+            <a:normAutofit/>
+          </a:bodyPr>
+          <a:p>
+            <a:endParaRPr b="0" lang="es-PE" sz="3200" spc="-1" strike="noStrike">
+              <a:latin typeface="Arial"/>
+            </a:endParaRPr>
+          </a:p>
+        </p:txBody>
+      </p:sp>
+      <p:sp>
+        <p:nvSpPr>
+          <p:cNvPr id="60" name="PlaceHolder 3"/>
           <p:cNvSpPr>
             <a:spLocks noGrp="1"/>
           </p:cNvSpPr>
@@ -1349,18 +1271,15 @@
             <a:normAutofit/>
           </a:bodyPr>
           <a:p>
-            <a:endParaRPr b="1" lang="es-PE" sz="2600" spc="-1" strike="noStrike">
-              <a:solidFill>
-                <a:srgbClr val="1c1c1c"/>
-              </a:solidFill>
-              <a:latin typeface="Source Sans Pro Semibold"/>
-            </a:endParaRPr>
-          </a:p>
-        </p:txBody>
-      </p:sp>
-      <p:sp>
-        <p:nvSpPr>
-          <p:cNvPr id="67" name="PlaceHolder 4"/>
+            <a:endParaRPr b="0" lang="es-PE" sz="3200" spc="-1" strike="noStrike">
+              <a:latin typeface="Arial"/>
+            </a:endParaRPr>
+          </a:p>
+        </p:txBody>
+      </p:sp>
+      <p:sp>
+        <p:nvSpPr>
+          <p:cNvPr id="61" name="PlaceHolder 4"/>
           <p:cNvSpPr>
             <a:spLocks noGrp="1"/>
           </p:cNvSpPr>
@@ -1382,11 +1301,8 @@
             <a:normAutofit/>
           </a:bodyPr>
           <a:p>
-            <a:endParaRPr b="1" lang="es-PE" sz="2600" spc="-1" strike="noStrike">
-              <a:solidFill>
-                <a:srgbClr val="1c1c1c"/>
-              </a:solidFill>
-              <a:latin typeface="Source Sans Pro Semibold"/>
+            <a:endParaRPr b="0" lang="es-PE" sz="3200" spc="-1" strike="noStrike">
+              <a:latin typeface="Arial"/>
             </a:endParaRPr>
           </a:p>
         </p:txBody>
@@ -1415,7 +1331,7 @@
       </p:grpSpPr>
       <p:sp>
         <p:nvSpPr>
-          <p:cNvPr id="68" name="PlaceHolder 1"/>
+          <p:cNvPr id="62" name="PlaceHolder 1"/>
           <p:cNvSpPr>
             <a:spLocks noGrp="1"/>
           </p:cNvSpPr>
@@ -1426,27 +1342,25 @@
         <p:spPr>
           <a:xfrm>
             <a:off x="360000" y="360000"/>
-            <a:ext cx="9360000" cy="900000"/>
-          </a:xfrm>
-          <a:prstGeom prst="rect">
-            <a:avLst/>
-          </a:prstGeom>
-        </p:spPr>
-        <p:txBody>
-          <a:bodyPr lIns="0" rIns="0" tIns="0" bIns="0" anchor="b"/>
-          <a:p>
-            <a:endParaRPr b="1" lang="es-PE" sz="3200" spc="-1" strike="noStrike">
-              <a:solidFill>
-                <a:srgbClr val="ffffff"/>
-              </a:solidFill>
-              <a:latin typeface="Source Sans Pro Black"/>
-            </a:endParaRPr>
-          </a:p>
-        </p:txBody>
-      </p:sp>
-      <p:sp>
-        <p:nvSpPr>
-          <p:cNvPr id="69" name="PlaceHolder 2"/>
+            <a:ext cx="9359640" cy="899640"/>
+          </a:xfrm>
+          <a:prstGeom prst="rect">
+            <a:avLst/>
+          </a:prstGeom>
+        </p:spPr>
+        <p:txBody>
+          <a:bodyPr lIns="0" rIns="0" tIns="0" bIns="0" anchor="ctr"/>
+          <a:p>
+            <a:pPr algn="ctr"/>
+            <a:endParaRPr b="0" lang="es-PE" sz="4400" spc="-1" strike="noStrike">
+              <a:latin typeface="Arial"/>
+            </a:endParaRPr>
+          </a:p>
+        </p:txBody>
+      </p:sp>
+      <p:sp>
+        <p:nvSpPr>
+          <p:cNvPr id="63" name="PlaceHolder 2"/>
           <p:cNvSpPr>
             <a:spLocks noGrp="1"/>
           </p:cNvSpPr>
@@ -1468,18 +1382,15 @@
             <a:normAutofit/>
           </a:bodyPr>
           <a:p>
-            <a:endParaRPr b="1" lang="es-PE" sz="2600" spc="-1" strike="noStrike">
-              <a:solidFill>
-                <a:srgbClr val="1c1c1c"/>
-              </a:solidFill>
-              <a:latin typeface="Source Sans Pro Semibold"/>
-            </a:endParaRPr>
-          </a:p>
-        </p:txBody>
-      </p:sp>
-      <p:sp>
-        <p:nvSpPr>
-          <p:cNvPr id="70" name="PlaceHolder 3"/>
+            <a:endParaRPr b="0" lang="es-PE" sz="3200" spc="-1" strike="noStrike">
+              <a:latin typeface="Arial"/>
+            </a:endParaRPr>
+          </a:p>
+        </p:txBody>
+      </p:sp>
+      <p:sp>
+        <p:nvSpPr>
+          <p:cNvPr id="64" name="PlaceHolder 3"/>
           <p:cNvSpPr>
             <a:spLocks noGrp="1"/>
           </p:cNvSpPr>
@@ -1501,18 +1412,15 @@
             <a:normAutofit/>
           </a:bodyPr>
           <a:p>
-            <a:endParaRPr b="1" lang="es-PE" sz="2600" spc="-1" strike="noStrike">
-              <a:solidFill>
-                <a:srgbClr val="1c1c1c"/>
-              </a:solidFill>
-              <a:latin typeface="Source Sans Pro Semibold"/>
-            </a:endParaRPr>
-          </a:p>
-        </p:txBody>
-      </p:sp>
-      <p:sp>
-        <p:nvSpPr>
-          <p:cNvPr id="71" name="PlaceHolder 4"/>
+            <a:endParaRPr b="0" lang="es-PE" sz="3200" spc="-1" strike="noStrike">
+              <a:latin typeface="Arial"/>
+            </a:endParaRPr>
+          </a:p>
+        </p:txBody>
+      </p:sp>
+      <p:sp>
+        <p:nvSpPr>
+          <p:cNvPr id="65" name="PlaceHolder 4"/>
           <p:cNvSpPr>
             <a:spLocks noGrp="1"/>
           </p:cNvSpPr>
@@ -1523,22 +1431,19 @@
         <p:spPr>
           <a:xfrm>
             <a:off x="360000" y="4424400"/>
-            <a:ext cx="9180000" cy="2232000"/>
-          </a:xfrm>
-          <a:prstGeom prst="rect">
-            <a:avLst/>
-          </a:prstGeom>
-        </p:spPr>
-        <p:txBody>
-          <a:bodyPr lIns="0" rIns="0" tIns="0" bIns="0">
-            <a:normAutofit/>
-          </a:bodyPr>
-          <a:p>
-            <a:endParaRPr b="1" lang="es-PE" sz="2600" spc="-1" strike="noStrike">
-              <a:solidFill>
-                <a:srgbClr val="1c1c1c"/>
-              </a:solidFill>
-              <a:latin typeface="Source Sans Pro Semibold"/>
+            <a:ext cx="9179640" cy="2232000"/>
+          </a:xfrm>
+          <a:prstGeom prst="rect">
+            <a:avLst/>
+          </a:prstGeom>
+        </p:spPr>
+        <p:txBody>
+          <a:bodyPr lIns="0" rIns="0" tIns="0" bIns="0">
+            <a:normAutofit/>
+          </a:bodyPr>
+          <a:p>
+            <a:endParaRPr b="0" lang="es-PE" sz="3200" spc="-1" strike="noStrike">
+              <a:latin typeface="Arial"/>
             </a:endParaRPr>
           </a:p>
         </p:txBody>
@@ -1567,7 +1472,7 @@
       </p:grpSpPr>
       <p:sp>
         <p:nvSpPr>
-          <p:cNvPr id="72" name="PlaceHolder 1"/>
+          <p:cNvPr id="66" name="PlaceHolder 1"/>
           <p:cNvSpPr>
             <a:spLocks noGrp="1"/>
           </p:cNvSpPr>
@@ -1578,27 +1483,25 @@
         <p:spPr>
           <a:xfrm>
             <a:off x="360000" y="360000"/>
-            <a:ext cx="9360000" cy="900000"/>
-          </a:xfrm>
-          <a:prstGeom prst="rect">
-            <a:avLst/>
-          </a:prstGeom>
-        </p:spPr>
-        <p:txBody>
-          <a:bodyPr lIns="0" rIns="0" tIns="0" bIns="0" anchor="b"/>
-          <a:p>
-            <a:endParaRPr b="1" lang="es-PE" sz="3200" spc="-1" strike="noStrike">
-              <a:solidFill>
-                <a:srgbClr val="ffffff"/>
-              </a:solidFill>
-              <a:latin typeface="Source Sans Pro Black"/>
-            </a:endParaRPr>
-          </a:p>
-        </p:txBody>
-      </p:sp>
-      <p:sp>
-        <p:nvSpPr>
-          <p:cNvPr id="73" name="PlaceHolder 2"/>
+            <a:ext cx="9359640" cy="899640"/>
+          </a:xfrm>
+          <a:prstGeom prst="rect">
+            <a:avLst/>
+          </a:prstGeom>
+        </p:spPr>
+        <p:txBody>
+          <a:bodyPr lIns="0" rIns="0" tIns="0" bIns="0" anchor="ctr"/>
+          <a:p>
+            <a:pPr algn="ctr"/>
+            <a:endParaRPr b="0" lang="es-PE" sz="4400" spc="-1" strike="noStrike">
+              <a:latin typeface="Arial"/>
+            </a:endParaRPr>
+          </a:p>
+        </p:txBody>
+      </p:sp>
+      <p:sp>
+        <p:nvSpPr>
+          <p:cNvPr id="67" name="PlaceHolder 2"/>
           <p:cNvSpPr>
             <a:spLocks noGrp="1"/>
           </p:cNvSpPr>
@@ -1609,29 +1512,26 @@
         <p:spPr>
           <a:xfrm>
             <a:off x="360000" y="1980000"/>
-            <a:ext cx="9180000" cy="2232000"/>
-          </a:xfrm>
-          <a:prstGeom prst="rect">
-            <a:avLst/>
-          </a:prstGeom>
-        </p:spPr>
-        <p:txBody>
-          <a:bodyPr lIns="0" rIns="0" tIns="0" bIns="0">
-            <a:normAutofit/>
-          </a:bodyPr>
-          <a:p>
-            <a:endParaRPr b="1" lang="es-PE" sz="2600" spc="-1" strike="noStrike">
-              <a:solidFill>
-                <a:srgbClr val="1c1c1c"/>
-              </a:solidFill>
-              <a:latin typeface="Source Sans Pro Semibold"/>
-            </a:endParaRPr>
-          </a:p>
-        </p:txBody>
-      </p:sp>
-      <p:sp>
-        <p:nvSpPr>
-          <p:cNvPr id="74" name="PlaceHolder 3"/>
+            <a:ext cx="9179640" cy="2232000"/>
+          </a:xfrm>
+          <a:prstGeom prst="rect">
+            <a:avLst/>
+          </a:prstGeom>
+        </p:spPr>
+        <p:txBody>
+          <a:bodyPr lIns="0" rIns="0" tIns="0" bIns="0">
+            <a:normAutofit/>
+          </a:bodyPr>
+          <a:p>
+            <a:endParaRPr b="0" lang="es-PE" sz="3200" spc="-1" strike="noStrike">
+              <a:latin typeface="Arial"/>
+            </a:endParaRPr>
+          </a:p>
+        </p:txBody>
+      </p:sp>
+      <p:sp>
+        <p:nvSpPr>
+          <p:cNvPr id="68" name="PlaceHolder 3"/>
           <p:cNvSpPr>
             <a:spLocks noGrp="1"/>
           </p:cNvSpPr>
@@ -1642,22 +1542,19 @@
         <p:spPr>
           <a:xfrm>
             <a:off x="360000" y="4424400"/>
-            <a:ext cx="9180000" cy="2232000"/>
-          </a:xfrm>
-          <a:prstGeom prst="rect">
-            <a:avLst/>
-          </a:prstGeom>
-        </p:spPr>
-        <p:txBody>
-          <a:bodyPr lIns="0" rIns="0" tIns="0" bIns="0">
-            <a:normAutofit/>
-          </a:bodyPr>
-          <a:p>
-            <a:endParaRPr b="1" lang="es-PE" sz="2600" spc="-1" strike="noStrike">
-              <a:solidFill>
-                <a:srgbClr val="1c1c1c"/>
-              </a:solidFill>
-              <a:latin typeface="Source Sans Pro Semibold"/>
+            <a:ext cx="9179640" cy="2232000"/>
+          </a:xfrm>
+          <a:prstGeom prst="rect">
+            <a:avLst/>
+          </a:prstGeom>
+        </p:spPr>
+        <p:txBody>
+          <a:bodyPr lIns="0" rIns="0" tIns="0" bIns="0">
+            <a:normAutofit/>
+          </a:bodyPr>
+          <a:p>
+            <a:endParaRPr b="0" lang="es-PE" sz="3200" spc="-1" strike="noStrike">
+              <a:latin typeface="Arial"/>
             </a:endParaRPr>
           </a:p>
         </p:txBody>
@@ -1686,7 +1583,7 @@
       </p:grpSpPr>
       <p:sp>
         <p:nvSpPr>
-          <p:cNvPr id="75" name="PlaceHolder 1"/>
+          <p:cNvPr id="69" name="PlaceHolder 1"/>
           <p:cNvSpPr>
             <a:spLocks noGrp="1"/>
           </p:cNvSpPr>
@@ -1697,27 +1594,25 @@
         <p:spPr>
           <a:xfrm>
             <a:off x="360000" y="360000"/>
-            <a:ext cx="9360000" cy="900000"/>
-          </a:xfrm>
-          <a:prstGeom prst="rect">
-            <a:avLst/>
-          </a:prstGeom>
-        </p:spPr>
-        <p:txBody>
-          <a:bodyPr lIns="0" rIns="0" tIns="0" bIns="0" anchor="b"/>
-          <a:p>
-            <a:endParaRPr b="1" lang="es-PE" sz="3200" spc="-1" strike="noStrike">
-              <a:solidFill>
-                <a:srgbClr val="ffffff"/>
-              </a:solidFill>
-              <a:latin typeface="Source Sans Pro Black"/>
-            </a:endParaRPr>
-          </a:p>
-        </p:txBody>
-      </p:sp>
-      <p:sp>
-        <p:nvSpPr>
-          <p:cNvPr id="76" name="PlaceHolder 2"/>
+            <a:ext cx="9359640" cy="899640"/>
+          </a:xfrm>
+          <a:prstGeom prst="rect">
+            <a:avLst/>
+          </a:prstGeom>
+        </p:spPr>
+        <p:txBody>
+          <a:bodyPr lIns="0" rIns="0" tIns="0" bIns="0" anchor="ctr"/>
+          <a:p>
+            <a:pPr algn="ctr"/>
+            <a:endParaRPr b="0" lang="es-PE" sz="4400" spc="-1" strike="noStrike">
+              <a:latin typeface="Arial"/>
+            </a:endParaRPr>
+          </a:p>
+        </p:txBody>
+      </p:sp>
+      <p:sp>
+        <p:nvSpPr>
+          <p:cNvPr id="70" name="PlaceHolder 2"/>
           <p:cNvSpPr>
             <a:spLocks noGrp="1"/>
           </p:cNvSpPr>
@@ -1739,18 +1634,15 @@
             <a:normAutofit/>
           </a:bodyPr>
           <a:p>
-            <a:endParaRPr b="1" lang="es-PE" sz="2600" spc="-1" strike="noStrike">
-              <a:solidFill>
-                <a:srgbClr val="1c1c1c"/>
-              </a:solidFill>
-              <a:latin typeface="Source Sans Pro Semibold"/>
-            </a:endParaRPr>
-          </a:p>
-        </p:txBody>
-      </p:sp>
-      <p:sp>
-        <p:nvSpPr>
-          <p:cNvPr id="77" name="PlaceHolder 3"/>
+            <a:endParaRPr b="0" lang="es-PE" sz="3200" spc="-1" strike="noStrike">
+              <a:latin typeface="Arial"/>
+            </a:endParaRPr>
+          </a:p>
+        </p:txBody>
+      </p:sp>
+      <p:sp>
+        <p:nvSpPr>
+          <p:cNvPr id="71" name="PlaceHolder 3"/>
           <p:cNvSpPr>
             <a:spLocks noGrp="1"/>
           </p:cNvSpPr>
@@ -1772,18 +1664,15 @@
             <a:normAutofit/>
           </a:bodyPr>
           <a:p>
-            <a:endParaRPr b="1" lang="es-PE" sz="2600" spc="-1" strike="noStrike">
-              <a:solidFill>
-                <a:srgbClr val="1c1c1c"/>
-              </a:solidFill>
-              <a:latin typeface="Source Sans Pro Semibold"/>
-            </a:endParaRPr>
-          </a:p>
-        </p:txBody>
-      </p:sp>
-      <p:sp>
-        <p:nvSpPr>
-          <p:cNvPr id="78" name="PlaceHolder 4"/>
+            <a:endParaRPr b="0" lang="es-PE" sz="3200" spc="-1" strike="noStrike">
+              <a:latin typeface="Arial"/>
+            </a:endParaRPr>
+          </a:p>
+        </p:txBody>
+      </p:sp>
+      <p:sp>
+        <p:nvSpPr>
+          <p:cNvPr id="72" name="PlaceHolder 4"/>
           <p:cNvSpPr>
             <a:spLocks noGrp="1"/>
           </p:cNvSpPr>
@@ -1805,18 +1694,15 @@
             <a:normAutofit/>
           </a:bodyPr>
           <a:p>
-            <a:endParaRPr b="1" lang="es-PE" sz="2600" spc="-1" strike="noStrike">
-              <a:solidFill>
-                <a:srgbClr val="1c1c1c"/>
-              </a:solidFill>
-              <a:latin typeface="Source Sans Pro Semibold"/>
-            </a:endParaRPr>
-          </a:p>
-        </p:txBody>
-      </p:sp>
-      <p:sp>
-        <p:nvSpPr>
-          <p:cNvPr id="79" name="PlaceHolder 5"/>
+            <a:endParaRPr b="0" lang="es-PE" sz="3200" spc="-1" strike="noStrike">
+              <a:latin typeface="Arial"/>
+            </a:endParaRPr>
+          </a:p>
+        </p:txBody>
+      </p:sp>
+      <p:sp>
+        <p:nvSpPr>
+          <p:cNvPr id="73" name="PlaceHolder 5"/>
           <p:cNvSpPr>
             <a:spLocks noGrp="1"/>
           </p:cNvSpPr>
@@ -1838,11 +1724,8 @@
             <a:normAutofit/>
           </a:bodyPr>
           <a:p>
-            <a:endParaRPr b="1" lang="es-PE" sz="2600" spc="-1" strike="noStrike">
-              <a:solidFill>
-                <a:srgbClr val="1c1c1c"/>
-              </a:solidFill>
-              <a:latin typeface="Source Sans Pro Semibold"/>
+            <a:endParaRPr b="0" lang="es-PE" sz="3200" spc="-1" strike="noStrike">
+              <a:latin typeface="Arial"/>
             </a:endParaRPr>
           </a:p>
         </p:txBody>
@@ -1871,7 +1754,7 @@
       </p:grpSpPr>
       <p:sp>
         <p:nvSpPr>
-          <p:cNvPr id="80" name="PlaceHolder 1"/>
+          <p:cNvPr id="74" name="PlaceHolder 1"/>
           <p:cNvSpPr>
             <a:spLocks noGrp="1"/>
           </p:cNvSpPr>
@@ -1882,27 +1765,25 @@
         <p:spPr>
           <a:xfrm>
             <a:off x="360000" y="360000"/>
-            <a:ext cx="9360000" cy="900000"/>
-          </a:xfrm>
-          <a:prstGeom prst="rect">
-            <a:avLst/>
-          </a:prstGeom>
-        </p:spPr>
-        <p:txBody>
-          <a:bodyPr lIns="0" rIns="0" tIns="0" bIns="0" anchor="b"/>
-          <a:p>
-            <a:endParaRPr b="1" lang="es-PE" sz="3200" spc="-1" strike="noStrike">
-              <a:solidFill>
-                <a:srgbClr val="ffffff"/>
-              </a:solidFill>
-              <a:latin typeface="Source Sans Pro Black"/>
-            </a:endParaRPr>
-          </a:p>
-        </p:txBody>
-      </p:sp>
-      <p:sp>
-        <p:nvSpPr>
-          <p:cNvPr id="81" name="PlaceHolder 2"/>
+            <a:ext cx="9359640" cy="899640"/>
+          </a:xfrm>
+          <a:prstGeom prst="rect">
+            <a:avLst/>
+          </a:prstGeom>
+        </p:spPr>
+        <p:txBody>
+          <a:bodyPr lIns="0" rIns="0" tIns="0" bIns="0" anchor="ctr"/>
+          <a:p>
+            <a:pPr algn="ctr"/>
+            <a:endParaRPr b="0" lang="es-PE" sz="4400" spc="-1" strike="noStrike">
+              <a:latin typeface="Arial"/>
+            </a:endParaRPr>
+          </a:p>
+        </p:txBody>
+      </p:sp>
+      <p:sp>
+        <p:nvSpPr>
+          <p:cNvPr id="75" name="PlaceHolder 2"/>
           <p:cNvSpPr>
             <a:spLocks noGrp="1"/>
           </p:cNvSpPr>
@@ -1924,18 +1805,15 @@
             <a:normAutofit/>
           </a:bodyPr>
           <a:p>
-            <a:endParaRPr b="1" lang="es-PE" sz="2600" spc="-1" strike="noStrike">
-              <a:solidFill>
-                <a:srgbClr val="1c1c1c"/>
-              </a:solidFill>
-              <a:latin typeface="Source Sans Pro Semibold"/>
-            </a:endParaRPr>
-          </a:p>
-        </p:txBody>
-      </p:sp>
-      <p:sp>
-        <p:nvSpPr>
-          <p:cNvPr id="82" name="PlaceHolder 3"/>
+            <a:endParaRPr b="0" lang="es-PE" sz="3200" spc="-1" strike="noStrike">
+              <a:latin typeface="Arial"/>
+            </a:endParaRPr>
+          </a:p>
+        </p:txBody>
+      </p:sp>
+      <p:sp>
+        <p:nvSpPr>
+          <p:cNvPr id="76" name="PlaceHolder 3"/>
           <p:cNvSpPr>
             <a:spLocks noGrp="1"/>
           </p:cNvSpPr>
@@ -1957,18 +1835,15 @@
             <a:normAutofit/>
           </a:bodyPr>
           <a:p>
-            <a:endParaRPr b="1" lang="es-PE" sz="2600" spc="-1" strike="noStrike">
-              <a:solidFill>
-                <a:srgbClr val="1c1c1c"/>
-              </a:solidFill>
-              <a:latin typeface="Source Sans Pro Semibold"/>
-            </a:endParaRPr>
-          </a:p>
-        </p:txBody>
-      </p:sp>
-      <p:sp>
-        <p:nvSpPr>
-          <p:cNvPr id="83" name="PlaceHolder 4"/>
+            <a:endParaRPr b="0" lang="es-PE" sz="3200" spc="-1" strike="noStrike">
+              <a:latin typeface="Arial"/>
+            </a:endParaRPr>
+          </a:p>
+        </p:txBody>
+      </p:sp>
+      <p:sp>
+        <p:nvSpPr>
+          <p:cNvPr id="77" name="PlaceHolder 4"/>
           <p:cNvSpPr>
             <a:spLocks noGrp="1"/>
           </p:cNvSpPr>
@@ -1990,18 +1865,15 @@
             <a:normAutofit/>
           </a:bodyPr>
           <a:p>
-            <a:endParaRPr b="1" lang="es-PE" sz="2600" spc="-1" strike="noStrike">
-              <a:solidFill>
-                <a:srgbClr val="1c1c1c"/>
-              </a:solidFill>
-              <a:latin typeface="Source Sans Pro Semibold"/>
-            </a:endParaRPr>
-          </a:p>
-        </p:txBody>
-      </p:sp>
-      <p:sp>
-        <p:nvSpPr>
-          <p:cNvPr id="84" name="PlaceHolder 5"/>
+            <a:endParaRPr b="0" lang="es-PE" sz="3200" spc="-1" strike="noStrike">
+              <a:latin typeface="Arial"/>
+            </a:endParaRPr>
+          </a:p>
+        </p:txBody>
+      </p:sp>
+      <p:sp>
+        <p:nvSpPr>
+          <p:cNvPr id="78" name="PlaceHolder 5"/>
           <p:cNvSpPr>
             <a:spLocks noGrp="1"/>
           </p:cNvSpPr>
@@ -2023,18 +1895,15 @@
             <a:normAutofit/>
           </a:bodyPr>
           <a:p>
-            <a:endParaRPr b="1" lang="es-PE" sz="2600" spc="-1" strike="noStrike">
-              <a:solidFill>
-                <a:srgbClr val="1c1c1c"/>
-              </a:solidFill>
-              <a:latin typeface="Source Sans Pro Semibold"/>
-            </a:endParaRPr>
-          </a:p>
-        </p:txBody>
-      </p:sp>
-      <p:sp>
-        <p:nvSpPr>
-          <p:cNvPr id="85" name="PlaceHolder 6"/>
+            <a:endParaRPr b="0" lang="es-PE" sz="3200" spc="-1" strike="noStrike">
+              <a:latin typeface="Arial"/>
+            </a:endParaRPr>
+          </a:p>
+        </p:txBody>
+      </p:sp>
+      <p:sp>
+        <p:nvSpPr>
+          <p:cNvPr id="79" name="PlaceHolder 6"/>
           <p:cNvSpPr>
             <a:spLocks noGrp="1"/>
           </p:cNvSpPr>
@@ -2056,18 +1925,15 @@
             <a:normAutofit/>
           </a:bodyPr>
           <a:p>
-            <a:endParaRPr b="1" lang="es-PE" sz="2600" spc="-1" strike="noStrike">
-              <a:solidFill>
-                <a:srgbClr val="1c1c1c"/>
-              </a:solidFill>
-              <a:latin typeface="Source Sans Pro Semibold"/>
-            </a:endParaRPr>
-          </a:p>
-        </p:txBody>
-      </p:sp>
-      <p:sp>
-        <p:nvSpPr>
-          <p:cNvPr id="86" name="PlaceHolder 7"/>
+            <a:endParaRPr b="0" lang="es-PE" sz="3200" spc="-1" strike="noStrike">
+              <a:latin typeface="Arial"/>
+            </a:endParaRPr>
+          </a:p>
+        </p:txBody>
+      </p:sp>
+      <p:sp>
+        <p:nvSpPr>
+          <p:cNvPr id="80" name="PlaceHolder 7"/>
           <p:cNvSpPr>
             <a:spLocks noGrp="1"/>
           </p:cNvSpPr>
@@ -2089,11 +1955,8 @@
             <a:normAutofit/>
           </a:bodyPr>
           <a:p>
-            <a:endParaRPr b="1" lang="es-PE" sz="2600" spc="-1" strike="noStrike">
-              <a:solidFill>
-                <a:srgbClr val="1c1c1c"/>
-              </a:solidFill>
-              <a:latin typeface="Source Sans Pro Semibold"/>
+            <a:endParaRPr b="0" lang="es-PE" sz="3200" spc="-1" strike="noStrike">
+              <a:latin typeface="Arial"/>
             </a:endParaRPr>
           </a:p>
         </p:txBody>
@@ -2122,7 +1985,7 @@
       </p:grpSpPr>
       <p:sp>
         <p:nvSpPr>
-          <p:cNvPr id="11" name="PlaceHolder 1"/>
+          <p:cNvPr id="5" name="PlaceHolder 1"/>
           <p:cNvSpPr>
             <a:spLocks noGrp="1"/>
           </p:cNvSpPr>
@@ -2133,27 +1996,25 @@
         <p:spPr>
           <a:xfrm>
             <a:off x="360000" y="360000"/>
-            <a:ext cx="9360000" cy="900000"/>
-          </a:xfrm>
-          <a:prstGeom prst="rect">
-            <a:avLst/>
-          </a:prstGeom>
-        </p:spPr>
-        <p:txBody>
-          <a:bodyPr lIns="0" rIns="0" tIns="0" bIns="0" anchor="b"/>
-          <a:p>
-            <a:endParaRPr b="1" lang="es-PE" sz="3200" spc="-1" strike="noStrike">
-              <a:solidFill>
-                <a:srgbClr val="ffffff"/>
-              </a:solidFill>
-              <a:latin typeface="Source Sans Pro Black"/>
-            </a:endParaRPr>
-          </a:p>
-        </p:txBody>
-      </p:sp>
-      <p:sp>
-        <p:nvSpPr>
-          <p:cNvPr id="12" name="PlaceHolder 2"/>
+            <a:ext cx="9359640" cy="899640"/>
+          </a:xfrm>
+          <a:prstGeom prst="rect">
+            <a:avLst/>
+          </a:prstGeom>
+        </p:spPr>
+        <p:txBody>
+          <a:bodyPr lIns="0" rIns="0" tIns="0" bIns="0" anchor="ctr"/>
+          <a:p>
+            <a:pPr algn="ctr"/>
+            <a:endParaRPr b="0" lang="es-PE" sz="4400" spc="-1" strike="noStrike">
+              <a:latin typeface="Arial"/>
+            </a:endParaRPr>
+          </a:p>
+        </p:txBody>
+      </p:sp>
+      <p:sp>
+        <p:nvSpPr>
+          <p:cNvPr id="6" name="PlaceHolder 2"/>
           <p:cNvSpPr>
             <a:spLocks noGrp="1"/>
           </p:cNvSpPr>
@@ -2164,22 +2025,19 @@
         <p:spPr>
           <a:xfrm>
             <a:off x="360000" y="1980000"/>
-            <a:ext cx="9180000" cy="4680000"/>
-          </a:xfrm>
-          <a:prstGeom prst="rect">
-            <a:avLst/>
-          </a:prstGeom>
-        </p:spPr>
-        <p:txBody>
-          <a:bodyPr lIns="0" rIns="0" tIns="0" bIns="0">
-            <a:normAutofit/>
-          </a:bodyPr>
-          <a:p>
-            <a:endParaRPr b="1" lang="es-PE" sz="2600" spc="-1" strike="noStrike">
-              <a:solidFill>
-                <a:srgbClr val="1c1c1c"/>
-              </a:solidFill>
-              <a:latin typeface="Source Sans Pro Semibold"/>
+            <a:ext cx="9179640" cy="4679640"/>
+          </a:xfrm>
+          <a:prstGeom prst="rect">
+            <a:avLst/>
+          </a:prstGeom>
+        </p:spPr>
+        <p:txBody>
+          <a:bodyPr lIns="0" rIns="0" tIns="0" bIns="0">
+            <a:normAutofit/>
+          </a:bodyPr>
+          <a:p>
+            <a:endParaRPr b="0" lang="es-PE" sz="3200" spc="-1" strike="noStrike">
+              <a:latin typeface="Arial"/>
             </a:endParaRPr>
           </a:p>
         </p:txBody>
@@ -2208,7 +2066,7 @@
       </p:grpSpPr>
       <p:sp>
         <p:nvSpPr>
-          <p:cNvPr id="13" name="PlaceHolder 1"/>
+          <p:cNvPr id="7" name="PlaceHolder 1"/>
           <p:cNvSpPr>
             <a:spLocks noGrp="1"/>
           </p:cNvSpPr>
@@ -2219,27 +2077,25 @@
         <p:spPr>
           <a:xfrm>
             <a:off x="360000" y="360000"/>
-            <a:ext cx="9360000" cy="900000"/>
-          </a:xfrm>
-          <a:prstGeom prst="rect">
-            <a:avLst/>
-          </a:prstGeom>
-        </p:spPr>
-        <p:txBody>
-          <a:bodyPr lIns="0" rIns="0" tIns="0" bIns="0" anchor="b"/>
-          <a:p>
-            <a:endParaRPr b="1" lang="es-PE" sz="3200" spc="-1" strike="noStrike">
-              <a:solidFill>
-                <a:srgbClr val="ffffff"/>
-              </a:solidFill>
-              <a:latin typeface="Source Sans Pro Black"/>
-            </a:endParaRPr>
-          </a:p>
-        </p:txBody>
-      </p:sp>
-      <p:sp>
-        <p:nvSpPr>
-          <p:cNvPr id="14" name="PlaceHolder 2"/>
+            <a:ext cx="9359640" cy="899640"/>
+          </a:xfrm>
+          <a:prstGeom prst="rect">
+            <a:avLst/>
+          </a:prstGeom>
+        </p:spPr>
+        <p:txBody>
+          <a:bodyPr lIns="0" rIns="0" tIns="0" bIns="0" anchor="ctr"/>
+          <a:p>
+            <a:pPr algn="ctr"/>
+            <a:endParaRPr b="0" lang="es-PE" sz="4400" spc="-1" strike="noStrike">
+              <a:latin typeface="Arial"/>
+            </a:endParaRPr>
+          </a:p>
+        </p:txBody>
+      </p:sp>
+      <p:sp>
+        <p:nvSpPr>
+          <p:cNvPr id="8" name="PlaceHolder 2"/>
           <p:cNvSpPr>
             <a:spLocks noGrp="1"/>
           </p:cNvSpPr>
@@ -2250,29 +2106,26 @@
         <p:spPr>
           <a:xfrm>
             <a:off x="360000" y="1980000"/>
-            <a:ext cx="4479480" cy="4680000"/>
-          </a:xfrm>
-          <a:prstGeom prst="rect">
-            <a:avLst/>
-          </a:prstGeom>
-        </p:spPr>
-        <p:txBody>
-          <a:bodyPr lIns="0" rIns="0" tIns="0" bIns="0">
-            <a:normAutofit/>
-          </a:bodyPr>
-          <a:p>
-            <a:endParaRPr b="1" lang="es-PE" sz="2600" spc="-1" strike="noStrike">
-              <a:solidFill>
-                <a:srgbClr val="1c1c1c"/>
-              </a:solidFill>
-              <a:latin typeface="Source Sans Pro Semibold"/>
-            </a:endParaRPr>
-          </a:p>
-        </p:txBody>
-      </p:sp>
-      <p:sp>
-        <p:nvSpPr>
-          <p:cNvPr id="15" name="PlaceHolder 3"/>
+            <a:ext cx="4479480" cy="4679640"/>
+          </a:xfrm>
+          <a:prstGeom prst="rect">
+            <a:avLst/>
+          </a:prstGeom>
+        </p:spPr>
+        <p:txBody>
+          <a:bodyPr lIns="0" rIns="0" tIns="0" bIns="0">
+            <a:normAutofit/>
+          </a:bodyPr>
+          <a:p>
+            <a:endParaRPr b="0" lang="es-PE" sz="3200" spc="-1" strike="noStrike">
+              <a:latin typeface="Arial"/>
+            </a:endParaRPr>
+          </a:p>
+        </p:txBody>
+      </p:sp>
+      <p:sp>
+        <p:nvSpPr>
+          <p:cNvPr id="9" name="PlaceHolder 3"/>
           <p:cNvSpPr>
             <a:spLocks noGrp="1"/>
           </p:cNvSpPr>
@@ -2283,22 +2136,19 @@
         <p:spPr>
           <a:xfrm>
             <a:off x="5063760" y="1980000"/>
-            <a:ext cx="4479480" cy="4680000"/>
-          </a:xfrm>
-          <a:prstGeom prst="rect">
-            <a:avLst/>
-          </a:prstGeom>
-        </p:spPr>
-        <p:txBody>
-          <a:bodyPr lIns="0" rIns="0" tIns="0" bIns="0">
-            <a:normAutofit/>
-          </a:bodyPr>
-          <a:p>
-            <a:endParaRPr b="1" lang="es-PE" sz="2600" spc="-1" strike="noStrike">
-              <a:solidFill>
-                <a:srgbClr val="1c1c1c"/>
-              </a:solidFill>
-              <a:latin typeface="Source Sans Pro Semibold"/>
+            <a:ext cx="4479480" cy="4679640"/>
+          </a:xfrm>
+          <a:prstGeom prst="rect">
+            <a:avLst/>
+          </a:prstGeom>
+        </p:spPr>
+        <p:txBody>
+          <a:bodyPr lIns="0" rIns="0" tIns="0" bIns="0">
+            <a:normAutofit/>
+          </a:bodyPr>
+          <a:p>
+            <a:endParaRPr b="0" lang="es-PE" sz="3200" spc="-1" strike="noStrike">
+              <a:latin typeface="Arial"/>
             </a:endParaRPr>
           </a:p>
         </p:txBody>
@@ -2327,7 +2177,7 @@
       </p:grpSpPr>
       <p:sp>
         <p:nvSpPr>
-          <p:cNvPr id="16" name="PlaceHolder 1"/>
+          <p:cNvPr id="10" name="PlaceHolder 1"/>
           <p:cNvSpPr>
             <a:spLocks noGrp="1"/>
           </p:cNvSpPr>
@@ -2338,20 +2188,18 @@
         <p:spPr>
           <a:xfrm>
             <a:off x="360000" y="360000"/>
-            <a:ext cx="9360000" cy="900000"/>
-          </a:xfrm>
-          <a:prstGeom prst="rect">
-            <a:avLst/>
-          </a:prstGeom>
-        </p:spPr>
-        <p:txBody>
-          <a:bodyPr lIns="0" rIns="0" tIns="0" bIns="0" anchor="b"/>
-          <a:p>
-            <a:endParaRPr b="1" lang="es-PE" sz="3200" spc="-1" strike="noStrike">
-              <a:solidFill>
-                <a:srgbClr val="ffffff"/>
-              </a:solidFill>
-              <a:latin typeface="Source Sans Pro Black"/>
+            <a:ext cx="9359640" cy="899640"/>
+          </a:xfrm>
+          <a:prstGeom prst="rect">
+            <a:avLst/>
+          </a:prstGeom>
+        </p:spPr>
+        <p:txBody>
+          <a:bodyPr lIns="0" rIns="0" tIns="0" bIns="0" anchor="ctr"/>
+          <a:p>
+            <a:pPr algn="ctr"/>
+            <a:endParaRPr b="0" lang="es-PE" sz="4400" spc="-1" strike="noStrike">
+              <a:latin typeface="Arial"/>
             </a:endParaRPr>
           </a:p>
         </p:txBody>
@@ -2380,7 +2228,7 @@
       </p:grpSpPr>
       <p:sp>
         <p:nvSpPr>
-          <p:cNvPr id="17" name="PlaceHolder 1"/>
+          <p:cNvPr id="11" name="PlaceHolder 1"/>
           <p:cNvSpPr>
             <a:spLocks noGrp="1"/>
           </p:cNvSpPr>
@@ -2391,20 +2239,18 @@
         <p:spPr>
           <a:xfrm>
             <a:off x="360000" y="360000"/>
-            <a:ext cx="9360000" cy="4173120"/>
-          </a:xfrm>
-          <a:prstGeom prst="rect">
-            <a:avLst/>
-          </a:prstGeom>
-        </p:spPr>
-        <p:txBody>
-          <a:bodyPr lIns="0" rIns="0" tIns="0" bIns="0"/>
-          <a:p>
-            <a:endParaRPr b="0" lang="es-PE" sz="2600" spc="-1" strike="noStrike">
-              <a:solidFill>
-                <a:srgbClr val="1c1c1c"/>
-              </a:solidFill>
-              <a:latin typeface="Source Sans Pro Light"/>
+            <a:ext cx="9359640" cy="4171680"/>
+          </a:xfrm>
+          <a:prstGeom prst="rect">
+            <a:avLst/>
+          </a:prstGeom>
+        </p:spPr>
+        <p:txBody>
+          <a:bodyPr lIns="0" rIns="0" tIns="0" bIns="0" anchor="ctr"/>
+          <a:p>
+            <a:pPr algn="ctr"/>
+            <a:endParaRPr b="0" lang="es-PE" sz="3200" spc="-1" strike="noStrike">
+              <a:latin typeface="Arial"/>
             </a:endParaRPr>
           </a:p>
         </p:txBody>
@@ -2433,7 +2279,7 @@
       </p:grpSpPr>
       <p:sp>
         <p:nvSpPr>
-          <p:cNvPr id="18" name="PlaceHolder 1"/>
+          <p:cNvPr id="12" name="PlaceHolder 1"/>
           <p:cNvSpPr>
             <a:spLocks noGrp="1"/>
           </p:cNvSpPr>
@@ -2444,27 +2290,25 @@
         <p:spPr>
           <a:xfrm>
             <a:off x="360000" y="360000"/>
-            <a:ext cx="9360000" cy="900000"/>
-          </a:xfrm>
-          <a:prstGeom prst="rect">
-            <a:avLst/>
-          </a:prstGeom>
-        </p:spPr>
-        <p:txBody>
-          <a:bodyPr lIns="0" rIns="0" tIns="0" bIns="0" anchor="b"/>
-          <a:p>
-            <a:endParaRPr b="1" lang="es-PE" sz="3200" spc="-1" strike="noStrike">
-              <a:solidFill>
-                <a:srgbClr val="ffffff"/>
-              </a:solidFill>
-              <a:latin typeface="Source Sans Pro Black"/>
-            </a:endParaRPr>
-          </a:p>
-        </p:txBody>
-      </p:sp>
-      <p:sp>
-        <p:nvSpPr>
-          <p:cNvPr id="19" name="PlaceHolder 2"/>
+            <a:ext cx="9359640" cy="899640"/>
+          </a:xfrm>
+          <a:prstGeom prst="rect">
+            <a:avLst/>
+          </a:prstGeom>
+        </p:spPr>
+        <p:txBody>
+          <a:bodyPr lIns="0" rIns="0" tIns="0" bIns="0" anchor="ctr"/>
+          <a:p>
+            <a:pPr algn="ctr"/>
+            <a:endParaRPr b="0" lang="es-PE" sz="4400" spc="-1" strike="noStrike">
+              <a:latin typeface="Arial"/>
+            </a:endParaRPr>
+          </a:p>
+        </p:txBody>
+      </p:sp>
+      <p:sp>
+        <p:nvSpPr>
+          <p:cNvPr id="13" name="PlaceHolder 2"/>
           <p:cNvSpPr>
             <a:spLocks noGrp="1"/>
           </p:cNvSpPr>
@@ -2486,18 +2330,15 @@
             <a:normAutofit/>
           </a:bodyPr>
           <a:p>
-            <a:endParaRPr b="1" lang="es-PE" sz="2600" spc="-1" strike="noStrike">
-              <a:solidFill>
-                <a:srgbClr val="1c1c1c"/>
-              </a:solidFill>
-              <a:latin typeface="Source Sans Pro Semibold"/>
-            </a:endParaRPr>
-          </a:p>
-        </p:txBody>
-      </p:sp>
-      <p:sp>
-        <p:nvSpPr>
-          <p:cNvPr id="20" name="PlaceHolder 3"/>
+            <a:endParaRPr b="0" lang="es-PE" sz="3200" spc="-1" strike="noStrike">
+              <a:latin typeface="Arial"/>
+            </a:endParaRPr>
+          </a:p>
+        </p:txBody>
+      </p:sp>
+      <p:sp>
+        <p:nvSpPr>
+          <p:cNvPr id="14" name="PlaceHolder 3"/>
           <p:cNvSpPr>
             <a:spLocks noGrp="1"/>
           </p:cNvSpPr>
@@ -2519,18 +2360,15 @@
             <a:normAutofit/>
           </a:bodyPr>
           <a:p>
-            <a:endParaRPr b="1" lang="es-PE" sz="2600" spc="-1" strike="noStrike">
-              <a:solidFill>
-                <a:srgbClr val="1c1c1c"/>
-              </a:solidFill>
-              <a:latin typeface="Source Sans Pro Semibold"/>
-            </a:endParaRPr>
-          </a:p>
-        </p:txBody>
-      </p:sp>
-      <p:sp>
-        <p:nvSpPr>
-          <p:cNvPr id="21" name="PlaceHolder 4"/>
+            <a:endParaRPr b="0" lang="es-PE" sz="3200" spc="-1" strike="noStrike">
+              <a:latin typeface="Arial"/>
+            </a:endParaRPr>
+          </a:p>
+        </p:txBody>
+      </p:sp>
+      <p:sp>
+        <p:nvSpPr>
+          <p:cNvPr id="15" name="PlaceHolder 4"/>
           <p:cNvSpPr>
             <a:spLocks noGrp="1"/>
           </p:cNvSpPr>
@@ -2541,22 +2379,19 @@
         <p:spPr>
           <a:xfrm>
             <a:off x="5063760" y="1980000"/>
-            <a:ext cx="4479480" cy="4680000"/>
-          </a:xfrm>
-          <a:prstGeom prst="rect">
-            <a:avLst/>
-          </a:prstGeom>
-        </p:spPr>
-        <p:txBody>
-          <a:bodyPr lIns="0" rIns="0" tIns="0" bIns="0">
-            <a:normAutofit/>
-          </a:bodyPr>
-          <a:p>
-            <a:endParaRPr b="1" lang="es-PE" sz="2600" spc="-1" strike="noStrike">
-              <a:solidFill>
-                <a:srgbClr val="1c1c1c"/>
-              </a:solidFill>
-              <a:latin typeface="Source Sans Pro Semibold"/>
+            <a:ext cx="4479480" cy="4679640"/>
+          </a:xfrm>
+          <a:prstGeom prst="rect">
+            <a:avLst/>
+          </a:prstGeom>
+        </p:spPr>
+        <p:txBody>
+          <a:bodyPr lIns="0" rIns="0" tIns="0" bIns="0">
+            <a:normAutofit/>
+          </a:bodyPr>
+          <a:p>
+            <a:endParaRPr b="0" lang="es-PE" sz="3200" spc="-1" strike="noStrike">
+              <a:latin typeface="Arial"/>
             </a:endParaRPr>
           </a:p>
         </p:txBody>
@@ -2585,7 +2420,7 @@
       </p:grpSpPr>
       <p:sp>
         <p:nvSpPr>
-          <p:cNvPr id="22" name="PlaceHolder 1"/>
+          <p:cNvPr id="16" name="PlaceHolder 1"/>
           <p:cNvSpPr>
             <a:spLocks noGrp="1"/>
           </p:cNvSpPr>
@@ -2596,27 +2431,25 @@
         <p:spPr>
           <a:xfrm>
             <a:off x="360000" y="360000"/>
-            <a:ext cx="9360000" cy="900000"/>
-          </a:xfrm>
-          <a:prstGeom prst="rect">
-            <a:avLst/>
-          </a:prstGeom>
-        </p:spPr>
-        <p:txBody>
-          <a:bodyPr lIns="0" rIns="0" tIns="0" bIns="0" anchor="b"/>
-          <a:p>
-            <a:endParaRPr b="1" lang="es-PE" sz="3200" spc="-1" strike="noStrike">
-              <a:solidFill>
-                <a:srgbClr val="ffffff"/>
-              </a:solidFill>
-              <a:latin typeface="Source Sans Pro Black"/>
-            </a:endParaRPr>
-          </a:p>
-        </p:txBody>
-      </p:sp>
-      <p:sp>
-        <p:nvSpPr>
-          <p:cNvPr id="23" name="PlaceHolder 2"/>
+            <a:ext cx="9359640" cy="899640"/>
+          </a:xfrm>
+          <a:prstGeom prst="rect">
+            <a:avLst/>
+          </a:prstGeom>
+        </p:spPr>
+        <p:txBody>
+          <a:bodyPr lIns="0" rIns="0" tIns="0" bIns="0" anchor="ctr"/>
+          <a:p>
+            <a:pPr algn="ctr"/>
+            <a:endParaRPr b="0" lang="es-PE" sz="4400" spc="-1" strike="noStrike">
+              <a:latin typeface="Arial"/>
+            </a:endParaRPr>
+          </a:p>
+        </p:txBody>
+      </p:sp>
+      <p:sp>
+        <p:nvSpPr>
+          <p:cNvPr id="17" name="PlaceHolder 2"/>
           <p:cNvSpPr>
             <a:spLocks noGrp="1"/>
           </p:cNvSpPr>
@@ -2627,29 +2460,26 @@
         <p:spPr>
           <a:xfrm>
             <a:off x="360000" y="1980000"/>
-            <a:ext cx="4479480" cy="4680000"/>
-          </a:xfrm>
-          <a:prstGeom prst="rect">
-            <a:avLst/>
-          </a:prstGeom>
-        </p:spPr>
-        <p:txBody>
-          <a:bodyPr lIns="0" rIns="0" tIns="0" bIns="0">
-            <a:normAutofit/>
-          </a:bodyPr>
-          <a:p>
-            <a:endParaRPr b="1" lang="es-PE" sz="2600" spc="-1" strike="noStrike">
-              <a:solidFill>
-                <a:srgbClr val="1c1c1c"/>
-              </a:solidFill>
-              <a:latin typeface="Source Sans Pro Semibold"/>
-            </a:endParaRPr>
-          </a:p>
-        </p:txBody>
-      </p:sp>
-      <p:sp>
-        <p:nvSpPr>
-          <p:cNvPr id="24" name="PlaceHolder 3"/>
+            <a:ext cx="4479480" cy="4679640"/>
+          </a:xfrm>
+          <a:prstGeom prst="rect">
+            <a:avLst/>
+          </a:prstGeom>
+        </p:spPr>
+        <p:txBody>
+          <a:bodyPr lIns="0" rIns="0" tIns="0" bIns="0">
+            <a:normAutofit/>
+          </a:bodyPr>
+          <a:p>
+            <a:endParaRPr b="0" lang="es-PE" sz="3200" spc="-1" strike="noStrike">
+              <a:latin typeface="Arial"/>
+            </a:endParaRPr>
+          </a:p>
+        </p:txBody>
+      </p:sp>
+      <p:sp>
+        <p:nvSpPr>
+          <p:cNvPr id="18" name="PlaceHolder 3"/>
           <p:cNvSpPr>
             <a:spLocks noGrp="1"/>
           </p:cNvSpPr>
@@ -2671,18 +2501,15 @@
             <a:normAutofit/>
           </a:bodyPr>
           <a:p>
-            <a:endParaRPr b="1" lang="es-PE" sz="2600" spc="-1" strike="noStrike">
-              <a:solidFill>
-                <a:srgbClr val="1c1c1c"/>
-              </a:solidFill>
-              <a:latin typeface="Source Sans Pro Semibold"/>
-            </a:endParaRPr>
-          </a:p>
-        </p:txBody>
-      </p:sp>
-      <p:sp>
-        <p:nvSpPr>
-          <p:cNvPr id="25" name="PlaceHolder 4"/>
+            <a:endParaRPr b="0" lang="es-PE" sz="3200" spc="-1" strike="noStrike">
+              <a:latin typeface="Arial"/>
+            </a:endParaRPr>
+          </a:p>
+        </p:txBody>
+      </p:sp>
+      <p:sp>
+        <p:nvSpPr>
+          <p:cNvPr id="19" name="PlaceHolder 4"/>
           <p:cNvSpPr>
             <a:spLocks noGrp="1"/>
           </p:cNvSpPr>
@@ -2704,11 +2531,8 @@
             <a:normAutofit/>
           </a:bodyPr>
           <a:p>
-            <a:endParaRPr b="1" lang="es-PE" sz="2600" spc="-1" strike="noStrike">
-              <a:solidFill>
-                <a:srgbClr val="1c1c1c"/>
-              </a:solidFill>
-              <a:latin typeface="Source Sans Pro Semibold"/>
+            <a:endParaRPr b="0" lang="es-PE" sz="3200" spc="-1" strike="noStrike">
+              <a:latin typeface="Arial"/>
             </a:endParaRPr>
           </a:p>
         </p:txBody>
@@ -2737,7 +2561,7 @@
       </p:grpSpPr>
       <p:sp>
         <p:nvSpPr>
-          <p:cNvPr id="26" name="PlaceHolder 1"/>
+          <p:cNvPr id="20" name="PlaceHolder 1"/>
           <p:cNvSpPr>
             <a:spLocks noGrp="1"/>
           </p:cNvSpPr>
@@ -2748,27 +2572,25 @@
         <p:spPr>
           <a:xfrm>
             <a:off x="360000" y="360000"/>
-            <a:ext cx="9360000" cy="900000"/>
-          </a:xfrm>
-          <a:prstGeom prst="rect">
-            <a:avLst/>
-          </a:prstGeom>
-        </p:spPr>
-        <p:txBody>
-          <a:bodyPr lIns="0" rIns="0" tIns="0" bIns="0" anchor="b"/>
-          <a:p>
-            <a:endParaRPr b="1" lang="es-PE" sz="3200" spc="-1" strike="noStrike">
-              <a:solidFill>
-                <a:srgbClr val="ffffff"/>
-              </a:solidFill>
-              <a:latin typeface="Source Sans Pro Black"/>
-            </a:endParaRPr>
-          </a:p>
-        </p:txBody>
-      </p:sp>
-      <p:sp>
-        <p:nvSpPr>
-          <p:cNvPr id="27" name="PlaceHolder 2"/>
+            <a:ext cx="9359640" cy="899640"/>
+          </a:xfrm>
+          <a:prstGeom prst="rect">
+            <a:avLst/>
+          </a:prstGeom>
+        </p:spPr>
+        <p:txBody>
+          <a:bodyPr lIns="0" rIns="0" tIns="0" bIns="0" anchor="ctr"/>
+          <a:p>
+            <a:pPr algn="ctr"/>
+            <a:endParaRPr b="0" lang="es-PE" sz="4400" spc="-1" strike="noStrike">
+              <a:latin typeface="Arial"/>
+            </a:endParaRPr>
+          </a:p>
+        </p:txBody>
+      </p:sp>
+      <p:sp>
+        <p:nvSpPr>
+          <p:cNvPr id="21" name="PlaceHolder 2"/>
           <p:cNvSpPr>
             <a:spLocks noGrp="1"/>
           </p:cNvSpPr>
@@ -2790,18 +2612,15 @@
             <a:normAutofit/>
           </a:bodyPr>
           <a:p>
-            <a:endParaRPr b="1" lang="es-PE" sz="2600" spc="-1" strike="noStrike">
-              <a:solidFill>
-                <a:srgbClr val="1c1c1c"/>
-              </a:solidFill>
-              <a:latin typeface="Source Sans Pro Semibold"/>
-            </a:endParaRPr>
-          </a:p>
-        </p:txBody>
-      </p:sp>
-      <p:sp>
-        <p:nvSpPr>
-          <p:cNvPr id="28" name="PlaceHolder 3"/>
+            <a:endParaRPr b="0" lang="es-PE" sz="3200" spc="-1" strike="noStrike">
+              <a:latin typeface="Arial"/>
+            </a:endParaRPr>
+          </a:p>
+        </p:txBody>
+      </p:sp>
+      <p:sp>
+        <p:nvSpPr>
+          <p:cNvPr id="22" name="PlaceHolder 3"/>
           <p:cNvSpPr>
             <a:spLocks noGrp="1"/>
           </p:cNvSpPr>
@@ -2823,18 +2642,15 @@
             <a:normAutofit/>
           </a:bodyPr>
           <a:p>
-            <a:endParaRPr b="1" lang="es-PE" sz="2600" spc="-1" strike="noStrike">
-              <a:solidFill>
-                <a:srgbClr val="1c1c1c"/>
-              </a:solidFill>
-              <a:latin typeface="Source Sans Pro Semibold"/>
-            </a:endParaRPr>
-          </a:p>
-        </p:txBody>
-      </p:sp>
-      <p:sp>
-        <p:nvSpPr>
-          <p:cNvPr id="29" name="PlaceHolder 4"/>
+            <a:endParaRPr b="0" lang="es-PE" sz="3200" spc="-1" strike="noStrike">
+              <a:latin typeface="Arial"/>
+            </a:endParaRPr>
+          </a:p>
+        </p:txBody>
+      </p:sp>
+      <p:sp>
+        <p:nvSpPr>
+          <p:cNvPr id="23" name="PlaceHolder 4"/>
           <p:cNvSpPr>
             <a:spLocks noGrp="1"/>
           </p:cNvSpPr>
@@ -2845,22 +2661,19 @@
         <p:spPr>
           <a:xfrm>
             <a:off x="360000" y="4424400"/>
-            <a:ext cx="9180000" cy="2232000"/>
-          </a:xfrm>
-          <a:prstGeom prst="rect">
-            <a:avLst/>
-          </a:prstGeom>
-        </p:spPr>
-        <p:txBody>
-          <a:bodyPr lIns="0" rIns="0" tIns="0" bIns="0">
-            <a:normAutofit/>
-          </a:bodyPr>
-          <a:p>
-            <a:endParaRPr b="1" lang="es-PE" sz="2600" spc="-1" strike="noStrike">
-              <a:solidFill>
-                <a:srgbClr val="1c1c1c"/>
-              </a:solidFill>
-              <a:latin typeface="Source Sans Pro Semibold"/>
+            <a:ext cx="9179640" cy="2232000"/>
+          </a:xfrm>
+          <a:prstGeom prst="rect">
+            <a:avLst/>
+          </a:prstGeom>
+        </p:spPr>
+        <p:txBody>
+          <a:bodyPr lIns="0" rIns="0" tIns="0" bIns="0">
+            <a:normAutofit/>
+          </a:bodyPr>
+          <a:p>
+            <a:endParaRPr b="0" lang="es-PE" sz="3200" spc="-1" strike="noStrike">
+              <a:latin typeface="Arial"/>
             </a:endParaRPr>
           </a:p>
         </p:txBody>
@@ -2895,8 +2708,8 @@
         </p:nvSpPr>
         <p:spPr>
           <a:xfrm>
-            <a:off x="0" y="180000"/>
-            <a:ext cx="9720000" cy="1260000"/>
+            <a:off x="0" y="3150000"/>
+            <a:ext cx="9719640" cy="1259640"/>
           </a:xfrm>
           <a:prstGeom prst="rect">
             <a:avLst/>
@@ -2904,7 +2717,7 @@
           <a:solidFill>
             <a:srgbClr val="e74c3c"/>
           </a:solidFill>
-          <a:ln w="72000">
+          <a:ln>
             <a:noFill/>
           </a:ln>
         </p:spPr>
@@ -2917,89 +2730,7 @@
       </p:sp>
       <p:sp>
         <p:nvSpPr>
-          <p:cNvPr id="1" name="CustomShape 2"/>
-          <p:cNvSpPr/>
-          <p:nvPr/>
-        </p:nvSpPr>
-        <p:spPr>
-          <a:xfrm>
-            <a:off x="7560000" y="6840000"/>
-            <a:ext cx="2520000" cy="540000"/>
-          </a:xfrm>
-          <a:prstGeom prst="rect">
-            <a:avLst/>
-          </a:prstGeom>
-          <a:solidFill>
-            <a:srgbClr val="e74c3c"/>
-          </a:solidFill>
-          <a:ln w="72000">
-            <a:noFill/>
-          </a:ln>
-        </p:spPr>
-        <p:style>
-          <a:lnRef idx="0"/>
-          <a:fillRef idx="0"/>
-          <a:effectRef idx="0"/>
-          <a:fontRef idx="minor"/>
-        </p:style>
-      </p:sp>
-      <p:sp>
-        <p:nvSpPr>
-          <p:cNvPr id="2" name="CustomShape 3"/>
-          <p:cNvSpPr/>
-          <p:nvPr/>
-        </p:nvSpPr>
-        <p:spPr>
-          <a:xfrm>
-            <a:off x="900000" y="6840000"/>
-            <a:ext cx="6480000" cy="540000"/>
-          </a:xfrm>
-          <a:prstGeom prst="rect">
-            <a:avLst/>
-          </a:prstGeom>
-          <a:solidFill>
-            <a:srgbClr val="bdc3c7"/>
-          </a:solidFill>
-          <a:ln w="72000">
-            <a:noFill/>
-          </a:ln>
-        </p:spPr>
-        <p:style>
-          <a:lnRef idx="0"/>
-          <a:fillRef idx="0"/>
-          <a:effectRef idx="0"/>
-          <a:fontRef idx="minor"/>
-        </p:style>
-      </p:sp>
-      <p:sp>
-        <p:nvSpPr>
-          <p:cNvPr id="3" name="CustomShape 4"/>
-          <p:cNvSpPr/>
-          <p:nvPr/>
-        </p:nvSpPr>
-        <p:spPr>
-          <a:xfrm>
-            <a:off x="180000" y="6840000"/>
-            <a:ext cx="540000" cy="540000"/>
-          </a:xfrm>
-          <a:prstGeom prst="rect">
-            <a:avLst/>
-          </a:prstGeom>
-          <a:noFill/>
-          <a:ln w="72000">
-            <a:noFill/>
-          </a:ln>
-        </p:spPr>
-        <p:style>
-          <a:lnRef idx="0"/>
-          <a:fillRef idx="0"/>
-          <a:effectRef idx="0"/>
-          <a:fontRef idx="minor"/>
-        </p:style>
-      </p:sp>
-      <p:sp>
-        <p:nvSpPr>
-          <p:cNvPr id="4" name="PlaceHolder 5"/>
+          <p:cNvPr id="1" name="PlaceHolder 2"/>
           <p:cNvSpPr>
             <a:spLocks noGrp="1"/>
           </p:cNvSpPr>
@@ -3010,7 +2741,7 @@
         <p:spPr>
           <a:xfrm>
             <a:off x="360000" y="360000"/>
-            <a:ext cx="9360000" cy="900000"/>
+            <a:ext cx="9359640" cy="899640"/>
           </a:xfrm>
           <a:prstGeom prst="rect">
             <a:avLst/>
@@ -3020,321 +2751,246 @@
           <a:bodyPr lIns="0" rIns="0" tIns="0" bIns="0" anchor="b"/>
           <a:p>
             <a:r>
-              <a:rPr b="1" lang="es-PE" sz="3200" spc="-1" strike="noStrike">
-                <a:solidFill>
-                  <a:srgbClr val="ffffff"/>
-                </a:solidFill>
-                <a:latin typeface="Source Sans Pro Black"/>
+              <a:rPr b="0" lang="es-PE" sz="1800" spc="-1" strike="noStrike">
+                <a:latin typeface="Arial"/>
               </a:rPr>
               <a:t>Pulse para editar el formato del texto de título</a:t>
             </a:r>
-            <a:endParaRPr b="1" lang="es-PE" sz="3200" spc="-1" strike="noStrike">
-              <a:solidFill>
-                <a:srgbClr val="ffffff"/>
-              </a:solidFill>
-              <a:latin typeface="Source Sans Pro Black"/>
-            </a:endParaRPr>
-          </a:p>
-        </p:txBody>
-      </p:sp>
-      <p:sp>
-        <p:nvSpPr>
-          <p:cNvPr id="5" name="PlaceHolder 6"/>
-          <p:cNvSpPr>
-            <a:spLocks noGrp="1"/>
-          </p:cNvSpPr>
-          <p:nvPr>
-            <p:ph type="body"/>
-          </p:nvPr>
-        </p:nvSpPr>
-        <p:spPr>
-          <a:xfrm>
-            <a:off x="360000" y="1980000"/>
-            <a:ext cx="9180000" cy="4680000"/>
-          </a:xfrm>
-          <a:prstGeom prst="rect">
-            <a:avLst/>
-          </a:prstGeom>
-        </p:spPr>
-        <p:txBody>
-          <a:bodyPr lIns="0" rIns="0" tIns="0" bIns="0">
-            <a:normAutofit/>
-          </a:bodyPr>
-          <a:p>
-            <a:pPr>
-              <a:spcAft>
-                <a:spcPts val="1142"/>
-              </a:spcAft>
+            <a:endParaRPr b="0" lang="es-PE" sz="1800" spc="-1" strike="noStrike">
+              <a:latin typeface="Arial"/>
+            </a:endParaRPr>
+          </a:p>
+        </p:txBody>
+      </p:sp>
+      <p:sp>
+        <p:nvSpPr>
+          <p:cNvPr id="2" name="PlaceHolder 3"/>
+          <p:cNvSpPr>
+            <a:spLocks noGrp="1"/>
+          </p:cNvSpPr>
+          <p:nvPr>
+            <p:ph type="body"/>
+          </p:nvPr>
+        </p:nvSpPr>
+        <p:spPr>
+          <a:xfrm>
+            <a:off x="504000" y="1768680"/>
+            <a:ext cx="9072000" cy="4384080"/>
+          </a:xfrm>
+          <a:prstGeom prst="rect">
+            <a:avLst/>
+          </a:prstGeom>
+        </p:spPr>
+        <p:txBody>
+          <a:bodyPr lIns="0" rIns="0" tIns="0" bIns="0">
+            <a:normAutofit/>
+          </a:bodyPr>
+          <a:p>
+            <a:pPr marL="432000" indent="-324000">
+              <a:spcBef>
+                <a:spcPts val="1417"/>
+              </a:spcBef>
+              <a:buClr>
+                <a:srgbClr val="000000"/>
+              </a:buClr>
+              <a:buSzPct val="45000"/>
+              <a:buFont typeface="Wingdings" charset="2"/>
+              <a:buChar char=""/>
             </a:pPr>
             <a:r>
-              <a:rPr b="1" lang="es-PE" sz="2600" spc="-1" strike="noStrike">
-                <a:solidFill>
-                  <a:srgbClr val="1c1c1c"/>
-                </a:solidFill>
-                <a:latin typeface="Source Sans Pro Semibold"/>
+              <a:rPr b="0" lang="es-PE" sz="3200" spc="-1" strike="noStrike">
+                <a:latin typeface="Arial"/>
               </a:rPr>
-              <a:t>Pulse para editar el formato de esquema del texto</a:t>
+              <a:t>Pulse para editar el </a:t>
             </a:r>
-            <a:endParaRPr b="1" lang="es-PE" sz="2600" spc="-1" strike="noStrike">
-              <a:solidFill>
-                <a:srgbClr val="1c1c1c"/>
-              </a:solidFill>
-              <a:latin typeface="Source Sans Pro Semibold"/>
-            </a:endParaRPr>
-          </a:p>
-          <a:p>
-            <a:pPr lvl="1" marL="288000">
-              <a:spcAft>
+            <a:r>
+              <a:rPr b="0" lang="es-PE" sz="3200" spc="-1" strike="noStrike">
+                <a:latin typeface="Arial"/>
+              </a:rPr>
+              <a:t>formato de esquema </a:t>
+            </a:r>
+            <a:r>
+              <a:rPr b="0" lang="es-PE" sz="3200" spc="-1" strike="noStrike">
+                <a:latin typeface="Arial"/>
+              </a:rPr>
+              <a:t>del texto</a:t>
+            </a:r>
+            <a:endParaRPr b="0" lang="es-PE" sz="3200" spc="-1" strike="noStrike">
+              <a:latin typeface="Arial"/>
+            </a:endParaRPr>
+          </a:p>
+          <a:p>
+            <a:pPr lvl="1" marL="864000" indent="-324000">
+              <a:spcBef>
                 <a:spcPts val="1134"/>
-              </a:spcAft>
+              </a:spcBef>
+              <a:buClr>
+                <a:srgbClr val="000000"/>
+              </a:buClr>
+              <a:buSzPct val="75000"/>
+              <a:buFont typeface="Symbol" charset="2"/>
+              <a:buChar char=""/>
             </a:pPr>
             <a:r>
-              <a:rPr b="0" lang="es-PE" sz="2200" spc="-1" strike="noStrike">
-                <a:solidFill>
-                  <a:srgbClr val="1c1c1c"/>
-                </a:solidFill>
-                <a:latin typeface="Source Sans Pro Light"/>
+              <a:rPr b="0" lang="es-PE" sz="2800" spc="-1" strike="noStrike">
+                <a:latin typeface="Arial"/>
               </a:rPr>
-              <a:t>Segundo nivel del esquema</a:t>
+              <a:t>Segundo nivel del </a:t>
             </a:r>
-            <a:endParaRPr b="0" lang="es-PE" sz="2200" spc="-1" strike="noStrike">
-              <a:solidFill>
-                <a:srgbClr val="1c1c1c"/>
-              </a:solidFill>
-              <a:latin typeface="Source Sans Pro Light"/>
-            </a:endParaRPr>
-          </a:p>
-          <a:p>
-            <a:pPr lvl="2" marL="576000">
-              <a:spcAft>
+            <a:r>
+              <a:rPr b="0" lang="es-PE" sz="2800" spc="-1" strike="noStrike">
+                <a:latin typeface="Arial"/>
+              </a:rPr>
+              <a:t>esquema</a:t>
+            </a:r>
+            <a:endParaRPr b="0" lang="es-PE" sz="2800" spc="-1" strike="noStrike">
+              <a:latin typeface="Arial"/>
+            </a:endParaRPr>
+          </a:p>
+          <a:p>
+            <a:pPr lvl="2" marL="1296000" indent="-288000">
+              <a:spcBef>
                 <a:spcPts val="850"/>
-              </a:spcAft>
+              </a:spcBef>
+              <a:buClr>
+                <a:srgbClr val="000000"/>
+              </a:buClr>
+              <a:buSzPct val="45000"/>
+              <a:buFont typeface="Wingdings" charset="2"/>
+              <a:buChar char=""/>
             </a:pPr>
             <a:r>
-              <a:rPr b="0" lang="es-PE" sz="1800" spc="-1" strike="noStrike">
-                <a:solidFill>
-                  <a:srgbClr val="1c1c1c"/>
-                </a:solidFill>
-                <a:latin typeface="Source Sans Pro Light"/>
+              <a:rPr b="0" lang="es-PE" sz="2400" spc="-1" strike="noStrike">
+                <a:latin typeface="Arial"/>
               </a:rPr>
-              <a:t>Tercer nivel del esquema</a:t>
+              <a:t>Tercer nivel del </a:t>
             </a:r>
-            <a:endParaRPr b="0" lang="es-PE" sz="1800" spc="-1" strike="noStrike">
-              <a:solidFill>
-                <a:srgbClr val="1c1c1c"/>
-              </a:solidFill>
-              <a:latin typeface="Source Sans Pro Light"/>
-            </a:endParaRPr>
-          </a:p>
-          <a:p>
-            <a:pPr lvl="3" marL="864000">
-              <a:spcAft>
+            <a:r>
+              <a:rPr b="0" lang="es-PE" sz="2400" spc="-1" strike="noStrike">
+                <a:latin typeface="Arial"/>
+              </a:rPr>
+              <a:t>esquema</a:t>
+            </a:r>
+            <a:endParaRPr b="0" lang="es-PE" sz="2400" spc="-1" strike="noStrike">
+              <a:latin typeface="Arial"/>
+            </a:endParaRPr>
+          </a:p>
+          <a:p>
+            <a:pPr lvl="3" marL="1728000" indent="-216000">
+              <a:spcBef>
                 <a:spcPts val="567"/>
-              </a:spcAft>
+              </a:spcBef>
+              <a:buClr>
+                <a:srgbClr val="000000"/>
+              </a:buClr>
+              <a:buSzPct val="75000"/>
+              <a:buFont typeface="Symbol" charset="2"/>
+              <a:buChar char=""/>
             </a:pPr>
             <a:r>
-              <a:rPr b="0" lang="es-PE" sz="1600" spc="-1" strike="noStrike">
-                <a:solidFill>
-                  <a:srgbClr val="1c1c1c"/>
-                </a:solidFill>
-                <a:latin typeface="Source Sans Pro Light"/>
+              <a:rPr b="0" lang="es-PE" sz="2000" spc="-1" strike="noStrike">
+                <a:latin typeface="Arial"/>
               </a:rPr>
-              <a:t>Cuarto nivel del esquema</a:t>
+              <a:t>Cuarto nivel del </a:t>
             </a:r>
-            <a:endParaRPr b="0" lang="es-PE" sz="1600" spc="-1" strike="noStrike">
-              <a:solidFill>
-                <a:srgbClr val="1c1c1c"/>
-              </a:solidFill>
-              <a:latin typeface="Source Sans Pro Light"/>
-            </a:endParaRPr>
-          </a:p>
-          <a:p>
-            <a:pPr lvl="4" marL="1152000">
-              <a:spcAft>
+            <a:r>
+              <a:rPr b="0" lang="es-PE" sz="2000" spc="-1" strike="noStrike">
+                <a:latin typeface="Arial"/>
+              </a:rPr>
+              <a:t>esquema</a:t>
+            </a:r>
+            <a:endParaRPr b="0" lang="es-PE" sz="2000" spc="-1" strike="noStrike">
+              <a:latin typeface="Arial"/>
+            </a:endParaRPr>
+          </a:p>
+          <a:p>
+            <a:pPr lvl="4" marL="2160000" indent="-216000">
+              <a:spcBef>
                 <a:spcPts val="283"/>
-              </a:spcAft>
+              </a:spcBef>
+              <a:buClr>
+                <a:srgbClr val="000000"/>
+              </a:buClr>
+              <a:buSzPct val="45000"/>
+              <a:buFont typeface="Wingdings" charset="2"/>
+              <a:buChar char=""/>
             </a:pPr>
             <a:r>
-              <a:rPr b="0" lang="es-PE" sz="1600" spc="-1" strike="noStrike">
-                <a:solidFill>
-                  <a:srgbClr val="1c1c1c"/>
-                </a:solidFill>
-                <a:latin typeface="Source Sans Pro Light"/>
+              <a:rPr b="0" lang="es-PE" sz="2000" spc="-1" strike="noStrike">
+                <a:latin typeface="Arial"/>
               </a:rPr>
-              <a:t>Quinto nivel del esquema</a:t>
+              <a:t>Quinto nivel del </a:t>
             </a:r>
-            <a:endParaRPr b="0" lang="es-PE" sz="1600" spc="-1" strike="noStrike">
-              <a:solidFill>
-                <a:srgbClr val="1c1c1c"/>
-              </a:solidFill>
-              <a:latin typeface="Source Sans Pro Light"/>
-            </a:endParaRPr>
-          </a:p>
-          <a:p>
-            <a:pPr lvl="5" marL="1440000">
-              <a:spcAft>
+            <a:r>
+              <a:rPr b="0" lang="es-PE" sz="2000" spc="-1" strike="noStrike">
+                <a:latin typeface="Arial"/>
+              </a:rPr>
+              <a:t>esquema</a:t>
+            </a:r>
+            <a:endParaRPr b="0" lang="es-PE" sz="2000" spc="-1" strike="noStrike">
+              <a:latin typeface="Arial"/>
+            </a:endParaRPr>
+          </a:p>
+          <a:p>
+            <a:pPr lvl="5" marL="2592000" indent="-216000">
+              <a:spcBef>
                 <a:spcPts val="283"/>
-              </a:spcAft>
+              </a:spcBef>
+              <a:buClr>
+                <a:srgbClr val="000000"/>
+              </a:buClr>
+              <a:buSzPct val="45000"/>
+              <a:buFont typeface="Wingdings" charset="2"/>
+              <a:buChar char=""/>
             </a:pPr>
             <a:r>
-              <a:rPr b="0" lang="es-PE" sz="1600" spc="-1" strike="noStrike">
-                <a:solidFill>
-                  <a:srgbClr val="1c1c1c"/>
-                </a:solidFill>
-                <a:latin typeface="Source Sans Pro Light"/>
+              <a:rPr b="0" lang="es-PE" sz="2000" spc="-1" strike="noStrike">
+                <a:latin typeface="Arial"/>
               </a:rPr>
-              <a:t>Sexto nivel del esquema</a:t>
+              <a:t>Sexto nivel del </a:t>
             </a:r>
-            <a:endParaRPr b="0" lang="es-PE" sz="1600" spc="-1" strike="noStrike">
-              <a:solidFill>
-                <a:srgbClr val="1c1c1c"/>
-              </a:solidFill>
-              <a:latin typeface="Source Sans Pro Light"/>
-            </a:endParaRPr>
-          </a:p>
-          <a:p>
-            <a:pPr lvl="6" marL="1728000">
-              <a:spcAft>
+            <a:r>
+              <a:rPr b="0" lang="es-PE" sz="2000" spc="-1" strike="noStrike">
+                <a:latin typeface="Arial"/>
+              </a:rPr>
+              <a:t>esquema</a:t>
+            </a:r>
+            <a:endParaRPr b="0" lang="es-PE" sz="2000" spc="-1" strike="noStrike">
+              <a:latin typeface="Arial"/>
+            </a:endParaRPr>
+          </a:p>
+          <a:p>
+            <a:pPr lvl="6" marL="3024000" indent="-216000">
+              <a:spcBef>
                 <a:spcPts val="283"/>
-              </a:spcAft>
+              </a:spcBef>
+              <a:buClr>
+                <a:srgbClr val="000000"/>
+              </a:buClr>
+              <a:buSzPct val="45000"/>
+              <a:buFont typeface="Wingdings" charset="2"/>
+              <a:buChar char=""/>
             </a:pPr>
             <a:r>
-              <a:rPr b="0" lang="es-PE" sz="1600" spc="-1" strike="noStrike">
-                <a:solidFill>
-                  <a:srgbClr val="1c1c1c"/>
-                </a:solidFill>
-                <a:latin typeface="Source Sans Pro Light"/>
+              <a:rPr b="0" lang="es-PE" sz="2000" spc="-1" strike="noStrike">
+                <a:latin typeface="Arial"/>
               </a:rPr>
-              <a:t>Séptimo nivel del esquema</a:t>
+              <a:t>Séptimo </a:t>
             </a:r>
-            <a:endParaRPr b="0" lang="es-PE" sz="1600" spc="-1" strike="noStrike">
-              <a:solidFill>
-                <a:srgbClr val="1c1c1c"/>
-              </a:solidFill>
-              <a:latin typeface="Source Sans Pro Light"/>
-            </a:endParaRPr>
-          </a:p>
-        </p:txBody>
-      </p:sp>
-      <p:sp>
-        <p:nvSpPr>
-          <p:cNvPr id="6" name="PlaceHolder 7"/>
-          <p:cNvSpPr>
-            <a:spLocks noGrp="1"/>
-          </p:cNvSpPr>
-          <p:nvPr>
-            <p:ph type="dt"/>
-          </p:nvPr>
-        </p:nvSpPr>
-        <p:spPr>
-          <a:xfrm>
-            <a:off x="7560000" y="6840000"/>
-            <a:ext cx="2340000" cy="521640"/>
-          </a:xfrm>
-          <a:prstGeom prst="rect">
-            <a:avLst/>
-          </a:prstGeom>
-        </p:spPr>
-        <p:txBody>
-          <a:bodyPr lIns="0" rIns="0" tIns="0" bIns="0" anchor="ctr"/>
-          <a:p>
-            <a:pPr algn="r"/>
             <a:r>
-              <a:rPr b="1" lang="es-PE" sz="1800" spc="-1" strike="noStrike">
-                <a:solidFill>
-                  <a:srgbClr val="ffffff"/>
-                </a:solidFill>
-                <a:latin typeface="Source Sans Pro Black"/>
+              <a:rPr b="0" lang="es-PE" sz="2000" spc="-1" strike="noStrike">
+                <a:latin typeface="Arial"/>
               </a:rPr>
-              <a:t>&lt;fecha/hora&gt;</a:t>
+              <a:t>nivel del </a:t>
             </a:r>
-            <a:endParaRPr b="1" lang="es-PE" sz="1800" spc="-1" strike="noStrike">
-              <a:solidFill>
-                <a:srgbClr val="ffffff"/>
-              </a:solidFill>
-              <a:latin typeface="Source Sans Pro Black"/>
-            </a:endParaRPr>
-          </a:p>
-        </p:txBody>
-      </p:sp>
-      <p:sp>
-        <p:nvSpPr>
-          <p:cNvPr id="7" name="PlaceHolder 8"/>
-          <p:cNvSpPr>
-            <a:spLocks noGrp="1"/>
-          </p:cNvSpPr>
-          <p:nvPr>
-            <p:ph type="ftr"/>
-          </p:nvPr>
-        </p:nvSpPr>
-        <p:spPr>
-          <a:xfrm>
-            <a:off x="1080000" y="6840000"/>
-            <a:ext cx="3240000" cy="540000"/>
-          </a:xfrm>
-          <a:prstGeom prst="rect">
-            <a:avLst/>
-          </a:prstGeom>
-        </p:spPr>
-        <p:txBody>
-          <a:bodyPr lIns="0" rIns="0" tIns="0" bIns="0" anchor="ctr"/>
-          <a:p>
-            <a:pPr algn="ctr"/>
             <a:r>
-              <a:rPr b="1" lang="es-PE" sz="1800" spc="-1" strike="noStrike">
-                <a:solidFill>
-                  <a:srgbClr val="ffffff"/>
-                </a:solidFill>
-                <a:latin typeface="Source Sans Pro Black"/>
+              <a:rPr b="0" lang="es-PE" sz="2000" spc="-1" strike="noStrike">
+                <a:latin typeface="Arial"/>
               </a:rPr>
-              <a:t>&lt;pie de página&gt;</a:t>
+              <a:t>esquema</a:t>
             </a:r>
-            <a:endParaRPr b="1" lang="es-PE" sz="1800" spc="-1" strike="noStrike">
-              <a:solidFill>
-                <a:srgbClr val="ffffff"/>
-              </a:solidFill>
-              <a:latin typeface="Source Sans Pro Black"/>
-            </a:endParaRPr>
-          </a:p>
-        </p:txBody>
-      </p:sp>
-      <p:sp>
-        <p:nvSpPr>
-          <p:cNvPr id="8" name="PlaceHolder 9"/>
-          <p:cNvSpPr>
-            <a:spLocks noGrp="1"/>
-          </p:cNvSpPr>
-          <p:nvPr>
-            <p:ph type="sldNum"/>
-          </p:nvPr>
-        </p:nvSpPr>
-        <p:spPr>
-          <a:xfrm>
-            <a:off x="180000" y="6840000"/>
-            <a:ext cx="540000" cy="540000"/>
-          </a:xfrm>
-          <a:prstGeom prst="rect">
-            <a:avLst/>
-          </a:prstGeom>
-        </p:spPr>
-        <p:txBody>
-          <a:bodyPr lIns="0" rIns="0" tIns="0" bIns="0" anchor="ctr"/>
-          <a:p>
-            <a:pPr algn="ctr"/>
-            <a:fld id="{DF94D2E8-2B40-4B58-919F-45E5FF9BC2D6}" type="slidenum">
-              <a:rPr b="1" lang="es-PE" sz="1800" spc="-1" strike="noStrike">
-                <a:solidFill>
-                  <a:srgbClr val="ffffff"/>
-                </a:solidFill>
-                <a:latin typeface="Source Sans Pro Black"/>
-              </a:rPr>
-              <a:t>&lt;número&gt;</a:t>
-            </a:fld>
-            <a:endParaRPr b="1" lang="es-PE" sz="1800" spc="-1" strike="noStrike">
-              <a:solidFill>
-                <a:srgbClr val="ffffff"/>
-              </a:solidFill>
-              <a:latin typeface="Source Sans Pro Black"/>
+            <a:endParaRPr b="0" lang="es-PE" sz="2000" spc="-1" strike="noStrike">
+              <a:latin typeface="Arial"/>
             </a:endParaRPr>
           </a:p>
         </p:txBody>
@@ -3378,14 +3034,14 @@
       </p:grpSpPr>
       <p:sp>
         <p:nvSpPr>
-          <p:cNvPr id="45" name="CustomShape 1"/>
+          <p:cNvPr id="39" name="CustomShape 1"/>
           <p:cNvSpPr/>
           <p:nvPr/>
         </p:nvSpPr>
         <p:spPr>
           <a:xfrm>
-            <a:off x="0" y="3150000"/>
-            <a:ext cx="9720000" cy="1260000"/>
+            <a:off x="0" y="180000"/>
+            <a:ext cx="9719640" cy="1259640"/>
           </a:xfrm>
           <a:prstGeom prst="rect">
             <a:avLst/>
@@ -3393,7 +3049,7 @@
           <a:solidFill>
             <a:srgbClr val="e74c3c"/>
           </a:solidFill>
-          <a:ln>
+          <a:ln w="72000">
             <a:noFill/>
           </a:ln>
         </p:spPr>
@@ -3406,7 +3062,89 @@
       </p:sp>
       <p:sp>
         <p:nvSpPr>
-          <p:cNvPr id="46" name="PlaceHolder 2"/>
+          <p:cNvPr id="40" name="CustomShape 2"/>
+          <p:cNvSpPr/>
+          <p:nvPr/>
+        </p:nvSpPr>
+        <p:spPr>
+          <a:xfrm>
+            <a:off x="7560000" y="6840000"/>
+            <a:ext cx="2519640" cy="539640"/>
+          </a:xfrm>
+          <a:prstGeom prst="rect">
+            <a:avLst/>
+          </a:prstGeom>
+          <a:solidFill>
+            <a:srgbClr val="e74c3c"/>
+          </a:solidFill>
+          <a:ln w="72000">
+            <a:noFill/>
+          </a:ln>
+        </p:spPr>
+        <p:style>
+          <a:lnRef idx="0"/>
+          <a:fillRef idx="0"/>
+          <a:effectRef idx="0"/>
+          <a:fontRef idx="minor"/>
+        </p:style>
+      </p:sp>
+      <p:sp>
+        <p:nvSpPr>
+          <p:cNvPr id="41" name="CustomShape 3"/>
+          <p:cNvSpPr/>
+          <p:nvPr/>
+        </p:nvSpPr>
+        <p:spPr>
+          <a:xfrm>
+            <a:off x="900000" y="6840000"/>
+            <a:ext cx="6479640" cy="539640"/>
+          </a:xfrm>
+          <a:prstGeom prst="rect">
+            <a:avLst/>
+          </a:prstGeom>
+          <a:solidFill>
+            <a:srgbClr val="bdc3c7"/>
+          </a:solidFill>
+          <a:ln w="72000">
+            <a:noFill/>
+          </a:ln>
+        </p:spPr>
+        <p:style>
+          <a:lnRef idx="0"/>
+          <a:fillRef idx="0"/>
+          <a:effectRef idx="0"/>
+          <a:fontRef idx="minor"/>
+        </p:style>
+      </p:sp>
+      <p:sp>
+        <p:nvSpPr>
+          <p:cNvPr id="42" name="CustomShape 4"/>
+          <p:cNvSpPr/>
+          <p:nvPr/>
+        </p:nvSpPr>
+        <p:spPr>
+          <a:xfrm>
+            <a:off x="180000" y="6840000"/>
+            <a:ext cx="539640" cy="539640"/>
+          </a:xfrm>
+          <a:prstGeom prst="rect">
+            <a:avLst/>
+          </a:prstGeom>
+          <a:noFill/>
+          <a:ln w="72000">
+            <a:noFill/>
+          </a:ln>
+        </p:spPr>
+        <p:style>
+          <a:lnRef idx="0"/>
+          <a:fillRef idx="0"/>
+          <a:effectRef idx="0"/>
+          <a:fontRef idx="minor"/>
+        </p:style>
+      </p:sp>
+      <p:sp>
+        <p:nvSpPr>
+          <p:cNvPr id="43" name="PlaceHolder 5"/>
           <p:cNvSpPr>
             <a:spLocks noGrp="1"/>
           </p:cNvSpPr>
@@ -3416,8 +3154,8 @@
         </p:nvSpPr>
         <p:spPr>
           <a:xfrm>
-            <a:off x="360000" y="3330000"/>
-            <a:ext cx="9360000" cy="900000"/>
+            <a:off x="360000" y="360000"/>
+            <a:ext cx="9359640" cy="899640"/>
           </a:xfrm>
           <a:prstGeom prst="rect">
             <a:avLst/>
@@ -3427,320 +3165,192 @@
           <a:bodyPr lIns="0" rIns="0" tIns="0" bIns="0" anchor="b"/>
           <a:p>
             <a:r>
-              <a:rPr b="1" lang="es-PE" sz="3200" spc="-1" strike="noStrike">
-                <a:solidFill>
-                  <a:srgbClr val="ffffff"/>
-                </a:solidFill>
-                <a:latin typeface="Source Sans Pro Black"/>
+              <a:rPr b="0" lang="es-PE" sz="1800" spc="-1" strike="noStrike">
+                <a:latin typeface="Arial"/>
               </a:rPr>
               <a:t>Pulse para editar el formato del texto de título</a:t>
             </a:r>
-            <a:endParaRPr b="1" lang="es-PE" sz="3200" spc="-1" strike="noStrike">
-              <a:solidFill>
-                <a:srgbClr val="ffffff"/>
-              </a:solidFill>
-              <a:latin typeface="Source Sans Pro Black"/>
-            </a:endParaRPr>
-          </a:p>
-        </p:txBody>
-      </p:sp>
-      <p:sp>
-        <p:nvSpPr>
-          <p:cNvPr id="47" name="PlaceHolder 3"/>
-          <p:cNvSpPr>
-            <a:spLocks noGrp="1"/>
-          </p:cNvSpPr>
-          <p:nvPr>
-            <p:ph type="body"/>
-          </p:nvPr>
-        </p:nvSpPr>
-        <p:spPr>
-          <a:xfrm>
-            <a:off x="540000" y="4680000"/>
-            <a:ext cx="9180000" cy="2520000"/>
-          </a:xfrm>
-          <a:prstGeom prst="rect">
-            <a:avLst/>
-          </a:prstGeom>
-        </p:spPr>
-        <p:txBody>
-          <a:bodyPr lIns="0" rIns="0" tIns="0" bIns="0">
-            <a:normAutofit/>
-          </a:bodyPr>
-          <a:p>
-            <a:pPr>
-              <a:spcAft>
-                <a:spcPts val="1142"/>
-              </a:spcAft>
+            <a:endParaRPr b="0" lang="es-PE" sz="1800" spc="-1" strike="noStrike">
+              <a:latin typeface="Arial"/>
+            </a:endParaRPr>
+          </a:p>
+        </p:txBody>
+      </p:sp>
+      <p:sp>
+        <p:nvSpPr>
+          <p:cNvPr id="44" name="PlaceHolder 6"/>
+          <p:cNvSpPr>
+            <a:spLocks noGrp="1"/>
+          </p:cNvSpPr>
+          <p:nvPr>
+            <p:ph type="body"/>
+          </p:nvPr>
+        </p:nvSpPr>
+        <p:spPr>
+          <a:xfrm>
+            <a:off x="360000" y="1980000"/>
+            <a:ext cx="9179640" cy="4679640"/>
+          </a:xfrm>
+          <a:prstGeom prst="rect">
+            <a:avLst/>
+          </a:prstGeom>
+        </p:spPr>
+        <p:txBody>
+          <a:bodyPr lIns="0" rIns="0" tIns="0" bIns="0">
+            <a:normAutofit/>
+          </a:bodyPr>
+          <a:p>
+            <a:pPr marL="432000" indent="-324000">
+              <a:spcBef>
+                <a:spcPts val="1417"/>
+              </a:spcBef>
+              <a:buClr>
+                <a:srgbClr val="000000"/>
+              </a:buClr>
+              <a:buSzPct val="45000"/>
+              <a:buFont typeface="Wingdings" charset="2"/>
+              <a:buChar char=""/>
             </a:pPr>
             <a:r>
-              <a:rPr b="1" lang="es-PE" sz="2600" spc="-1" strike="noStrike">
-                <a:solidFill>
-                  <a:srgbClr val="1c1c1c"/>
-                </a:solidFill>
-                <a:latin typeface="Source Sans Pro Semibold"/>
+              <a:rPr b="0" lang="es-PE" sz="1800" spc="-1" strike="noStrike">
+                <a:latin typeface="Arial"/>
               </a:rPr>
               <a:t>Pulse para editar el formato de esquema del texto</a:t>
             </a:r>
-            <a:endParaRPr b="1" lang="es-PE" sz="2600" spc="-1" strike="noStrike">
-              <a:solidFill>
-                <a:srgbClr val="1c1c1c"/>
-              </a:solidFill>
-              <a:latin typeface="Source Sans Pro Semibold"/>
-            </a:endParaRPr>
-          </a:p>
-          <a:p>
-            <a:pPr lvl="1" marL="288000">
-              <a:spcAft>
-                <a:spcPts val="1131"/>
-              </a:spcAft>
+            <a:endParaRPr b="0" lang="es-PE" sz="1800" spc="-1" strike="noStrike">
+              <a:latin typeface="Arial"/>
+            </a:endParaRPr>
+          </a:p>
+          <a:p>
+            <a:pPr lvl="1" marL="864000" indent="-324000">
+              <a:spcBef>
+                <a:spcPts val="1134"/>
+              </a:spcBef>
+              <a:buClr>
+                <a:srgbClr val="000000"/>
+              </a:buClr>
+              <a:buSzPct val="75000"/>
+              <a:buFont typeface="Symbol" charset="2"/>
+              <a:buChar char=""/>
             </a:pPr>
             <a:r>
-              <a:rPr b="0" lang="es-PE" sz="2200" spc="-1" strike="noStrike">
-                <a:solidFill>
-                  <a:srgbClr val="1c1c1c"/>
-                </a:solidFill>
-                <a:latin typeface="Source Sans Pro Light"/>
+              <a:rPr b="0" lang="es-PE" sz="1800" spc="-1" strike="noStrike">
+                <a:latin typeface="Arial"/>
               </a:rPr>
               <a:t>Segundo nivel del esquema</a:t>
             </a:r>
-            <a:endParaRPr b="0" lang="es-PE" sz="2200" spc="-1" strike="noStrike">
-              <a:solidFill>
-                <a:srgbClr val="1c1c1c"/>
-              </a:solidFill>
-              <a:latin typeface="Source Sans Pro Light"/>
-            </a:endParaRPr>
-          </a:p>
-          <a:p>
-            <a:pPr lvl="2" marL="576000">
-              <a:spcAft>
+            <a:endParaRPr b="0" lang="es-PE" sz="1800" spc="-1" strike="noStrike">
+              <a:latin typeface="Arial"/>
+            </a:endParaRPr>
+          </a:p>
+          <a:p>
+            <a:pPr lvl="2" marL="1296000" indent="-288000">
+              <a:spcBef>
                 <a:spcPts val="850"/>
-              </a:spcAft>
+              </a:spcBef>
+              <a:buClr>
+                <a:srgbClr val="000000"/>
+              </a:buClr>
+              <a:buSzPct val="45000"/>
+              <a:buFont typeface="Wingdings" charset="2"/>
+              <a:buChar char=""/>
             </a:pPr>
             <a:r>
               <a:rPr b="0" lang="es-PE" sz="1800" spc="-1" strike="noStrike">
-                <a:solidFill>
-                  <a:srgbClr val="1c1c1c"/>
-                </a:solidFill>
-                <a:latin typeface="Source Sans Pro Light"/>
+                <a:latin typeface="Arial"/>
               </a:rPr>
               <a:t>Tercer nivel del esquema</a:t>
             </a:r>
             <a:endParaRPr b="0" lang="es-PE" sz="1800" spc="-1" strike="noStrike">
-              <a:solidFill>
-                <a:srgbClr val="1c1c1c"/>
-              </a:solidFill>
-              <a:latin typeface="Source Sans Pro Light"/>
-            </a:endParaRPr>
-          </a:p>
-          <a:p>
-            <a:pPr lvl="3" marL="864000">
-              <a:spcAft>
+              <a:latin typeface="Arial"/>
+            </a:endParaRPr>
+          </a:p>
+          <a:p>
+            <a:pPr lvl="3" marL="1728000" indent="-216000">
+              <a:spcBef>
                 <a:spcPts val="567"/>
-              </a:spcAft>
+              </a:spcBef>
+              <a:buClr>
+                <a:srgbClr val="000000"/>
+              </a:buClr>
+              <a:buSzPct val="75000"/>
+              <a:buFont typeface="Symbol" charset="2"/>
+              <a:buChar char=""/>
             </a:pPr>
             <a:r>
-              <a:rPr b="0" lang="es-PE" sz="1600" spc="-1" strike="noStrike">
-                <a:solidFill>
-                  <a:srgbClr val="1c1c1c"/>
-                </a:solidFill>
-                <a:latin typeface="Source Sans Pro Light"/>
+              <a:rPr b="0" lang="es-PE" sz="1800" spc="-1" strike="noStrike">
+                <a:latin typeface="Arial"/>
               </a:rPr>
               <a:t>Cuarto nivel del esquema</a:t>
             </a:r>
-            <a:endParaRPr b="0" lang="es-PE" sz="1600" spc="-1" strike="noStrike">
-              <a:solidFill>
-                <a:srgbClr val="1c1c1c"/>
-              </a:solidFill>
-              <a:latin typeface="Source Sans Pro Light"/>
-            </a:endParaRPr>
-          </a:p>
-          <a:p>
-            <a:pPr lvl="4" marL="1152000">
-              <a:spcAft>
+            <a:endParaRPr b="0" lang="es-PE" sz="1800" spc="-1" strike="noStrike">
+              <a:latin typeface="Arial"/>
+            </a:endParaRPr>
+          </a:p>
+          <a:p>
+            <a:pPr lvl="4" marL="2160000" indent="-216000">
+              <a:spcBef>
                 <a:spcPts val="283"/>
-              </a:spcAft>
+              </a:spcBef>
+              <a:buClr>
+                <a:srgbClr val="000000"/>
+              </a:buClr>
+              <a:buSzPct val="45000"/>
+              <a:buFont typeface="Wingdings" charset="2"/>
+              <a:buChar char=""/>
             </a:pPr>
             <a:r>
-              <a:rPr b="0" lang="es-PE" sz="1600" spc="-1" strike="noStrike">
-                <a:solidFill>
-                  <a:srgbClr val="1c1c1c"/>
-                </a:solidFill>
-                <a:latin typeface="Source Sans Pro Light"/>
+              <a:rPr b="0" lang="es-PE" sz="1800" spc="-1" strike="noStrike">
+                <a:latin typeface="Arial"/>
               </a:rPr>
               <a:t>Quinto nivel del esquema</a:t>
             </a:r>
-            <a:endParaRPr b="0" lang="es-PE" sz="1600" spc="-1" strike="noStrike">
-              <a:solidFill>
-                <a:srgbClr val="1c1c1c"/>
-              </a:solidFill>
-              <a:latin typeface="Source Sans Pro Light"/>
-            </a:endParaRPr>
-          </a:p>
-          <a:p>
-            <a:pPr lvl="5" marL="1440000">
-              <a:spcAft>
+            <a:endParaRPr b="0" lang="es-PE" sz="1800" spc="-1" strike="noStrike">
+              <a:latin typeface="Arial"/>
+            </a:endParaRPr>
+          </a:p>
+          <a:p>
+            <a:pPr lvl="5" marL="2592000" indent="-216000">
+              <a:spcBef>
                 <a:spcPts val="283"/>
-              </a:spcAft>
+              </a:spcBef>
+              <a:buClr>
+                <a:srgbClr val="000000"/>
+              </a:buClr>
+              <a:buSzPct val="45000"/>
+              <a:buFont typeface="Wingdings" charset="2"/>
+              <a:buChar char=""/>
             </a:pPr>
             <a:r>
-              <a:rPr b="0" lang="es-PE" sz="1600" spc="-1" strike="noStrike">
-                <a:solidFill>
-                  <a:srgbClr val="1c1c1c"/>
-                </a:solidFill>
-                <a:latin typeface="Source Sans Pro Light"/>
+              <a:rPr b="0" lang="es-PE" sz="1800" spc="-1" strike="noStrike">
+                <a:latin typeface="Arial"/>
               </a:rPr>
               <a:t>Sexto nivel del esquema</a:t>
             </a:r>
-            <a:endParaRPr b="0" lang="es-PE" sz="1600" spc="-1" strike="noStrike">
-              <a:solidFill>
-                <a:srgbClr val="1c1c1c"/>
-              </a:solidFill>
-              <a:latin typeface="Source Sans Pro Light"/>
-            </a:endParaRPr>
-          </a:p>
-          <a:p>
-            <a:pPr lvl="6" marL="1728000">
-              <a:spcAft>
+            <a:endParaRPr b="0" lang="es-PE" sz="1800" spc="-1" strike="noStrike">
+              <a:latin typeface="Arial"/>
+            </a:endParaRPr>
+          </a:p>
+          <a:p>
+            <a:pPr lvl="6" marL="3024000" indent="-216000">
+              <a:spcBef>
                 <a:spcPts val="283"/>
-              </a:spcAft>
+              </a:spcBef>
+              <a:buClr>
+                <a:srgbClr val="000000"/>
+              </a:buClr>
+              <a:buSzPct val="45000"/>
+              <a:buFont typeface="Wingdings" charset="2"/>
+              <a:buChar char=""/>
             </a:pPr>
             <a:r>
-              <a:rPr b="0" lang="es-PE" sz="1600" spc="-1" strike="noStrike">
-                <a:solidFill>
-                  <a:srgbClr val="1c1c1c"/>
-                </a:solidFill>
-                <a:latin typeface="Source Sans Pro Light"/>
+              <a:rPr b="0" lang="es-PE" sz="1800" spc="-1" strike="noStrike">
+                <a:latin typeface="Arial"/>
               </a:rPr>
               <a:t>Séptimo nivel del esquema</a:t>
             </a:r>
-            <a:endParaRPr b="0" lang="es-PE" sz="1600" spc="-1" strike="noStrike">
-              <a:solidFill>
-                <a:srgbClr val="1c1c1c"/>
-              </a:solidFill>
-              <a:latin typeface="Source Sans Pro Light"/>
-            </a:endParaRPr>
-          </a:p>
-        </p:txBody>
-      </p:sp>
-      <p:sp>
-        <p:nvSpPr>
-          <p:cNvPr id="48" name="PlaceHolder 4"/>
-          <p:cNvSpPr>
-            <a:spLocks noGrp="1"/>
-          </p:cNvSpPr>
-          <p:nvPr>
-            <p:ph type="dt"/>
-          </p:nvPr>
-        </p:nvSpPr>
-        <p:spPr>
-          <a:xfrm>
-            <a:off x="7560000" y="6840000"/>
-            <a:ext cx="2340000" cy="540000"/>
-          </a:xfrm>
-          <a:prstGeom prst="rect">
-            <a:avLst/>
-          </a:prstGeom>
-        </p:spPr>
-        <p:txBody>
-          <a:bodyPr lIns="0" rIns="0" tIns="0" bIns="0" anchor="ctr"/>
-          <a:p>
-            <a:r>
-              <a:rPr b="1" lang="es-PE" sz="1800" spc="-1" strike="noStrike">
-                <a:solidFill>
-                  <a:srgbClr val="e74c3c"/>
-                </a:solidFill>
-                <a:latin typeface="Source Sans Pro Black"/>
-              </a:rPr>
-              <a:t>&lt;fecha/hora&gt;</a:t>
-            </a:r>
-            <a:endParaRPr b="1" lang="es-PE" sz="1800" spc="-1" strike="noStrike">
-              <a:solidFill>
-                <a:srgbClr val="e74c3c"/>
-              </a:solidFill>
-              <a:latin typeface="Source Sans Pro Black"/>
-            </a:endParaRPr>
-          </a:p>
-        </p:txBody>
-      </p:sp>
-      <p:sp>
-        <p:nvSpPr>
-          <p:cNvPr id="49" name="PlaceHolder 5"/>
-          <p:cNvSpPr>
-            <a:spLocks noGrp="1"/>
-          </p:cNvSpPr>
-          <p:nvPr>
-            <p:ph type="ftr"/>
-          </p:nvPr>
-        </p:nvSpPr>
-        <p:spPr>
-          <a:xfrm>
-            <a:off x="1080000" y="6840000"/>
-            <a:ext cx="3240000" cy="540000"/>
-          </a:xfrm>
-          <a:prstGeom prst="rect">
-            <a:avLst/>
-          </a:prstGeom>
-        </p:spPr>
-        <p:txBody>
-          <a:bodyPr lIns="0" rIns="0" tIns="0" bIns="0" anchor="ctr"/>
-          <a:p>
-            <a:pPr algn="ctr"/>
-            <a:r>
-              <a:rPr b="1" lang="es-PE" sz="1800" spc="-1" strike="noStrike">
-                <a:solidFill>
-                  <a:srgbClr val="e74c3c"/>
-                </a:solidFill>
-                <a:latin typeface="Source Sans Pro Black"/>
-              </a:rPr>
-              <a:t>&lt;pie de página&gt;</a:t>
-            </a:r>
-            <a:endParaRPr b="1" lang="es-PE" sz="1800" spc="-1" strike="noStrike">
-              <a:solidFill>
-                <a:srgbClr val="e74c3c"/>
-              </a:solidFill>
-              <a:latin typeface="Source Sans Pro Black"/>
-            </a:endParaRPr>
-          </a:p>
-        </p:txBody>
-      </p:sp>
-      <p:sp>
-        <p:nvSpPr>
-          <p:cNvPr id="50" name="PlaceHolder 6"/>
-          <p:cNvSpPr>
-            <a:spLocks noGrp="1"/>
-          </p:cNvSpPr>
-          <p:nvPr>
-            <p:ph type="sldNum"/>
-          </p:nvPr>
-        </p:nvSpPr>
-        <p:spPr>
-          <a:xfrm>
-            <a:off x="180000" y="6840000"/>
-            <a:ext cx="540000" cy="540000"/>
-          </a:xfrm>
-          <a:prstGeom prst="rect">
-            <a:avLst/>
-          </a:prstGeom>
-        </p:spPr>
-        <p:txBody>
-          <a:bodyPr lIns="0" rIns="0" tIns="0" bIns="0"/>
-          <a:p>
-            <a:pPr algn="r"/>
-            <a:fld id="{29D6E0BC-8A2D-40B5-9998-E8ADF070675C}" type="slidenum">
-              <a:rPr b="1" lang="es-PE" sz="1800" spc="-1" strike="noStrike">
-                <a:solidFill>
-                  <a:srgbClr val="e74c3c"/>
-                </a:solidFill>
-                <a:latin typeface="Source Sans Pro Black"/>
-              </a:rPr>
-              <a:t>&lt;número&gt;</a:t>
-            </a:fld>
-            <a:endParaRPr b="1" lang="es-PE" sz="1800" spc="-1" strike="noStrike">
-              <a:solidFill>
-                <a:srgbClr val="e74c3c"/>
-              </a:solidFill>
-              <a:latin typeface="Source Sans Pro Black"/>
+            <a:endParaRPr b="0" lang="es-PE" sz="1800" spc="-1" strike="noStrike">
+              <a:latin typeface="Arial"/>
             </a:endParaRPr>
           </a:p>
         </p:txBody>
@@ -3784,14 +3394,14 @@
       </p:grpSpPr>
       <p:sp>
         <p:nvSpPr>
-          <p:cNvPr id="87" name="TextShape 1"/>
-          <p:cNvSpPr txBox="1"/>
+          <p:cNvPr id="81" name="CustomShape 1"/>
+          <p:cNvSpPr/>
           <p:nvPr/>
         </p:nvSpPr>
         <p:spPr>
           <a:xfrm>
             <a:off x="360000" y="3330000"/>
-            <a:ext cx="9360000" cy="900000"/>
+            <a:ext cx="9359640" cy="899640"/>
           </a:xfrm>
           <a:prstGeom prst="rect">
             <a:avLst/>
@@ -3801,6 +3411,12 @@
             <a:noFill/>
           </a:ln>
         </p:spPr>
+        <p:style>
+          <a:lnRef idx="0"/>
+          <a:fillRef idx="0"/>
+          <a:effectRef idx="0"/>
+          <a:fontRef idx="minor"/>
+        </p:style>
         <p:txBody>
           <a:bodyPr lIns="0" rIns="0" tIns="0" bIns="0" anchor="b"/>
           <a:p>
@@ -3813,25 +3429,22 @@
               </a:rPr>
               <a:t>A Photometrically Calibrated Benchmark For Monocular Visual Odometry</a:t>
             </a:r>
-            <a:endParaRPr b="1" lang="es-PE" sz="3200" spc="-1" strike="noStrike">
-              <a:solidFill>
-                <a:srgbClr val="ffffff"/>
-              </a:solidFill>
-              <a:latin typeface="Source Sans Pro Black"/>
-            </a:endParaRPr>
-          </a:p>
-        </p:txBody>
-      </p:sp>
-      <p:sp>
-        <p:nvSpPr>
-          <p:cNvPr id="88" name="TextShape 2"/>
-          <p:cNvSpPr txBox="1"/>
+            <a:endParaRPr b="0" lang="es-PE" sz="3200" spc="-1" strike="noStrike">
+              <a:latin typeface="Arial"/>
+            </a:endParaRPr>
+          </a:p>
+        </p:txBody>
+      </p:sp>
+      <p:sp>
+        <p:nvSpPr>
+          <p:cNvPr id="82" name="CustomShape 2"/>
+          <p:cNvSpPr/>
           <p:nvPr/>
         </p:nvSpPr>
         <p:spPr>
           <a:xfrm>
             <a:off x="540000" y="4680000"/>
-            <a:ext cx="9180000" cy="2520000"/>
+            <a:ext cx="9179640" cy="2519640"/>
           </a:xfrm>
           <a:prstGeom prst="rect">
             <a:avLst/>
@@ -3841,20 +3454,42 @@
             <a:noFill/>
           </a:ln>
         </p:spPr>
-        <p:txBody>
-          <a:bodyPr lIns="0" rIns="0" tIns="0" bIns="0"/>
-          <a:p>
-            <a:endParaRPr b="0" lang="es-PE" sz="2200" spc="-1" strike="noStrike">
-              <a:solidFill>
-                <a:srgbClr val="1c1c1c"/>
-              </a:solidFill>
-              <a:latin typeface="Source Sans Pro Light"/>
-            </a:endParaRPr>
-          </a:p>
-        </p:txBody>
+        <p:style>
+          <a:lnRef idx="0"/>
+          <a:fillRef idx="0"/>
+          <a:effectRef idx="0"/>
+          <a:fontRef idx="minor"/>
+        </p:style>
       </p:sp>
     </p:spTree>
   </p:cSld>
+  <p:timing>
+    <p:tnLst>
+      <p:par>
+        <p:cTn id="1" dur="indefinite" restart="never" nodeType="tmRoot">
+          <p:childTnLst>
+            <p:seq>
+              <p:cTn id="2" nodeType="mainSeq"/>
+              <p:prevCondLst>
+                <p:cond delay="0" evt="onPrev">
+                  <p:tgtEl>
+                    <p:sldTgt/>
+                  </p:tgtEl>
+                </p:cond>
+              </p:prevCondLst>
+              <p:nextCondLst>
+                <p:cond delay="0" evt="onNext">
+                  <p:tgtEl>
+                    <p:sldTgt/>
+                  </p:tgtEl>
+                </p:cond>
+              </p:nextCondLst>
+            </p:seq>
+          </p:childTnLst>
+        </p:cTn>
+      </p:par>
+    </p:tnLst>
+  </p:timing>
 </p:sld>
 </file>
 
@@ -3877,14 +3512,14 @@
       </p:grpSpPr>
       <p:sp>
         <p:nvSpPr>
-          <p:cNvPr id="89" name="TextShape 1"/>
+          <p:cNvPr id="83" name="TextShape 1"/>
           <p:cNvSpPr txBox="1"/>
           <p:nvPr/>
         </p:nvSpPr>
         <p:spPr>
           <a:xfrm>
             <a:off x="360000" y="360000"/>
-            <a:ext cx="9360000" cy="900000"/>
+            <a:ext cx="9359640" cy="899640"/>
           </a:xfrm>
           <a:prstGeom prst="rect">
             <a:avLst/>
@@ -3895,27 +3530,25 @@
           </a:ln>
         </p:spPr>
         <p:txBody>
-          <a:bodyPr lIns="0" rIns="0" tIns="0" bIns="0" anchor="b"/>
-          <a:p>
-            <a:endParaRPr b="1" lang="es-PE" sz="3200" spc="-1" strike="noStrike">
-              <a:solidFill>
-                <a:srgbClr val="ffffff"/>
-              </a:solidFill>
-              <a:latin typeface="Source Sans Pro Black"/>
-            </a:endParaRPr>
-          </a:p>
-        </p:txBody>
-      </p:sp>
-      <p:sp>
-        <p:nvSpPr>
-          <p:cNvPr id="90" name="TextShape 2"/>
+          <a:bodyPr lIns="0" rIns="0" tIns="0" bIns="0" anchor="ctr"/>
+          <a:p>
+            <a:pPr algn="ctr"/>
+            <a:endParaRPr b="0" lang="es-PE" sz="4400" spc="-1" strike="noStrike">
+              <a:latin typeface="Arial"/>
+            </a:endParaRPr>
+          </a:p>
+        </p:txBody>
+      </p:sp>
+      <p:sp>
+        <p:nvSpPr>
+          <p:cNvPr id="84" name="TextShape 2"/>
           <p:cNvSpPr txBox="1"/>
           <p:nvPr/>
         </p:nvSpPr>
         <p:spPr>
           <a:xfrm>
             <a:off x="360000" y="1980000"/>
-            <a:ext cx="9180000" cy="4680000"/>
+            <a:ext cx="4479480" cy="4679640"/>
           </a:xfrm>
           <a:prstGeom prst="rect">
             <a:avLst/>
@@ -3930,17 +3563,868 @@
             <a:normAutofit/>
           </a:bodyPr>
           <a:p>
-            <a:endParaRPr b="1" lang="es-PE" sz="2600" spc="-1" strike="noStrike">
-              <a:solidFill>
-                <a:srgbClr val="1c1c1c"/>
-              </a:solidFill>
-              <a:latin typeface="Source Sans Pro Semibold"/>
-            </a:endParaRPr>
-          </a:p>
-        </p:txBody>
-      </p:sp>
+            <a:pPr marL="432000" indent="-324000">
+              <a:spcBef>
+                <a:spcPts val="1417"/>
+              </a:spcBef>
+              <a:buClr>
+                <a:srgbClr val="000000"/>
+              </a:buClr>
+              <a:buSzPct val="45000"/>
+              <a:buFont typeface="Wingdings" charset="2"/>
+              <a:buChar char=""/>
+            </a:pPr>
+            <a:r>
+              <a:rPr b="0" lang="es-PE" sz="3200" spc="-1" strike="noStrike">
+                <a:latin typeface="Arial"/>
+              </a:rPr>
+              <a:t>50 cámaras</a:t>
+            </a:r>
+            <a:endParaRPr b="0" lang="es-PE" sz="3200" spc="-1" strike="noStrike">
+              <a:latin typeface="Arial"/>
+            </a:endParaRPr>
+          </a:p>
+          <a:p>
+            <a:pPr marL="432000" indent="-324000">
+              <a:spcBef>
+                <a:spcPts val="1417"/>
+              </a:spcBef>
+              <a:buClr>
+                <a:srgbClr val="000000"/>
+              </a:buClr>
+              <a:buSzPct val="45000"/>
+              <a:buFont typeface="Wingdings" charset="2"/>
+              <a:buChar char=""/>
+            </a:pPr>
+            <a:r>
+              <a:rPr b="0" lang="es-PE" sz="3200" spc="-1" strike="noStrike">
+                <a:latin typeface="Arial"/>
+              </a:rPr>
+              <a:t>Mas de 100 minutos</a:t>
+            </a:r>
+            <a:endParaRPr b="0" lang="es-PE" sz="3200" spc="-1" strike="noStrike">
+              <a:latin typeface="Arial"/>
+            </a:endParaRPr>
+          </a:p>
+          <a:p>
+            <a:pPr marL="432000" indent="-324000">
+              <a:spcBef>
+                <a:spcPts val="1417"/>
+              </a:spcBef>
+              <a:buClr>
+                <a:srgbClr val="000000"/>
+              </a:buClr>
+              <a:buSzPct val="45000"/>
+              <a:buFont typeface="Wingdings" charset="2"/>
+              <a:buChar char=""/>
+            </a:pPr>
+            <a:r>
+              <a:rPr b="0" lang="es-PE" sz="3200" spc="-1" strike="noStrike">
+                <a:latin typeface="Arial"/>
+              </a:rPr>
+              <a:t>190 000 frames</a:t>
+            </a:r>
+            <a:endParaRPr b="0" lang="es-PE" sz="3200" spc="-1" strike="noStrike">
+              <a:latin typeface="Arial"/>
+            </a:endParaRPr>
+          </a:p>
+        </p:txBody>
+      </p:sp>
+      <p:pic>
+        <p:nvPicPr>
+          <p:cNvPr id="85" name="" descr=""/>
+          <p:cNvPicPr/>
+          <p:nvPr/>
+        </p:nvPicPr>
+        <p:blipFill>
+          <a:blip r:embed="rId1"/>
+          <a:stretch/>
+        </p:blipFill>
+        <p:spPr>
+          <a:xfrm>
+            <a:off x="5063400" y="2499480"/>
+            <a:ext cx="4479480" cy="3640320"/>
+          </a:xfrm>
+          <a:prstGeom prst="rect">
+            <a:avLst/>
+          </a:prstGeom>
+          <a:ln>
+            <a:noFill/>
+          </a:ln>
+        </p:spPr>
+      </p:pic>
     </p:spTree>
   </p:cSld>
+  <p:timing>
+    <p:tnLst>
+      <p:par>
+        <p:cTn id="3" dur="indefinite" restart="never" nodeType="tmRoot">
+          <p:childTnLst>
+            <p:seq>
+              <p:cTn id="4" nodeType="mainSeq"/>
+              <p:prevCondLst>
+                <p:cond delay="0" evt="onPrev">
+                  <p:tgtEl>
+                    <p:sldTgt/>
+                  </p:tgtEl>
+                </p:cond>
+              </p:prevCondLst>
+              <p:nextCondLst>
+                <p:cond delay="0" evt="onNext">
+                  <p:tgtEl>
+                    <p:sldTgt/>
+                  </p:tgtEl>
+                </p:cond>
+              </p:nextCondLst>
+            </p:seq>
+          </p:childTnLst>
+        </p:cTn>
+      </p:par>
+    </p:tnLst>
+  </p:timing>
+</p:sld>
+</file>
+
+<file path=ppt/slides/slide3.xml><?xml version="1.0" encoding="utf-8"?>
+<p:sld xmlns:a="http://schemas.openxmlformats.org/drawingml/2006/main" xmlns:p="http://schemas.openxmlformats.org/presentationml/2006/main" xmlns:r="http://schemas.openxmlformats.org/officeDocument/2006/relationships" xmlns:p14="http://schemas.microsoft.com/office/powerpoint/2010/main" xmlns:p15="http://schemas.microsoft.com/office/powerpoint/2012/main" xmlns:mc="http://schemas.openxmlformats.org/markup-compatibility/2006">
+  <p:cSld>
+    <p:spTree>
+      <p:nvGrpSpPr>
+        <p:cNvPr id="1" name=""/>
+        <p:cNvGrpSpPr/>
+        <p:nvPr/>
+      </p:nvGrpSpPr>
+      <p:grpSpPr>
+        <a:xfrm>
+          <a:off x="0" y="0"/>
+          <a:ext cx="0" cy="0"/>
+          <a:chOff x="0" y="0"/>
+          <a:chExt cx="0" cy="0"/>
+        </a:xfrm>
+      </p:grpSpPr>
+      <p:sp>
+        <p:nvSpPr>
+          <p:cNvPr id="86" name="TextShape 1"/>
+          <p:cNvSpPr txBox="1"/>
+          <p:nvPr/>
+        </p:nvSpPr>
+        <p:spPr>
+          <a:xfrm>
+            <a:off x="360000" y="360000"/>
+            <a:ext cx="9359640" cy="899640"/>
+          </a:xfrm>
+          <a:prstGeom prst="rect">
+            <a:avLst/>
+          </a:prstGeom>
+          <a:noFill/>
+          <a:ln>
+            <a:noFill/>
+          </a:ln>
+        </p:spPr>
+        <p:txBody>
+          <a:bodyPr lIns="0" rIns="0" tIns="0" bIns="0" anchor="ctr"/>
+          <a:p>
+            <a:pPr algn="ctr"/>
+            <a:endParaRPr b="0" lang="es-PE" sz="4400" spc="-1" strike="noStrike">
+              <a:latin typeface="Arial"/>
+            </a:endParaRPr>
+          </a:p>
+        </p:txBody>
+      </p:sp>
+      <p:sp>
+        <p:nvSpPr>
+          <p:cNvPr id="87" name="TextShape 2"/>
+          <p:cNvSpPr txBox="1"/>
+          <p:nvPr/>
+        </p:nvSpPr>
+        <p:spPr>
+          <a:xfrm>
+            <a:off x="360000" y="1980000"/>
+            <a:ext cx="4479480" cy="4679640"/>
+          </a:xfrm>
+          <a:prstGeom prst="rect">
+            <a:avLst/>
+          </a:prstGeom>
+          <a:noFill/>
+          <a:ln>
+            <a:noFill/>
+          </a:ln>
+        </p:spPr>
+        <p:txBody>
+          <a:bodyPr lIns="0" rIns="0" tIns="0" bIns="0">
+            <a:normAutofit/>
+          </a:bodyPr>
+          <a:p>
+            <a:r>
+              <a:rPr b="0" lang="es-PE" sz="3200" spc="-1" strike="noStrike">
+                <a:latin typeface="Arial"/>
+                <a:ea typeface="Noto Sans CJK SC Regular"/>
+              </a:rPr>
+              <a:t>Response Calibration</a:t>
+            </a:r>
+            <a:endParaRPr b="0" lang="es-PE" sz="3200" spc="-1" strike="noStrike">
+              <a:latin typeface="Arial"/>
+            </a:endParaRPr>
+          </a:p>
+        </p:txBody>
+      </p:sp>
+      <p:pic>
+        <p:nvPicPr>
+          <p:cNvPr id="88" name="" descr=""/>
+          <p:cNvPicPr/>
+          <p:nvPr/>
+        </p:nvPicPr>
+        <p:blipFill>
+          <a:blip r:embed="rId1"/>
+          <a:stretch/>
+        </p:blipFill>
+        <p:spPr>
+          <a:xfrm>
+            <a:off x="5063400" y="2998800"/>
+            <a:ext cx="4479480" cy="2641680"/>
+          </a:xfrm>
+          <a:prstGeom prst="rect">
+            <a:avLst/>
+          </a:prstGeom>
+          <a:ln>
+            <a:noFill/>
+          </a:ln>
+        </p:spPr>
+      </p:pic>
+    </p:spTree>
+  </p:cSld>
+  <p:timing>
+    <p:tnLst>
+      <p:par>
+        <p:cTn id="5" dur="indefinite" restart="never" nodeType="tmRoot">
+          <p:childTnLst>
+            <p:seq>
+              <p:cTn id="6" nodeType="mainSeq"/>
+              <p:prevCondLst>
+                <p:cond delay="0" evt="onPrev">
+                  <p:tgtEl>
+                    <p:sldTgt/>
+                  </p:tgtEl>
+                </p:cond>
+              </p:prevCondLst>
+              <p:nextCondLst>
+                <p:cond delay="0" evt="onNext">
+                  <p:tgtEl>
+                    <p:sldTgt/>
+                  </p:tgtEl>
+                </p:cond>
+              </p:nextCondLst>
+            </p:seq>
+          </p:childTnLst>
+        </p:cTn>
+      </p:par>
+    </p:tnLst>
+  </p:timing>
+</p:sld>
+</file>
+
+<file path=ppt/slides/slide4.xml><?xml version="1.0" encoding="utf-8"?>
+<p:sld xmlns:a="http://schemas.openxmlformats.org/drawingml/2006/main" xmlns:p="http://schemas.openxmlformats.org/presentationml/2006/main" xmlns:r="http://schemas.openxmlformats.org/officeDocument/2006/relationships" xmlns:p14="http://schemas.microsoft.com/office/powerpoint/2010/main" xmlns:p15="http://schemas.microsoft.com/office/powerpoint/2012/main" xmlns:mc="http://schemas.openxmlformats.org/markup-compatibility/2006">
+  <p:cSld>
+    <p:spTree>
+      <p:nvGrpSpPr>
+        <p:cNvPr id="1" name=""/>
+        <p:cNvGrpSpPr/>
+        <p:nvPr/>
+      </p:nvGrpSpPr>
+      <p:grpSpPr>
+        <a:xfrm>
+          <a:off x="0" y="0"/>
+          <a:ext cx="0" cy="0"/>
+          <a:chOff x="0" y="0"/>
+          <a:chExt cx="0" cy="0"/>
+        </a:xfrm>
+      </p:grpSpPr>
+      <p:sp>
+        <p:nvSpPr>
+          <p:cNvPr id="89" name="TextShape 1"/>
+          <p:cNvSpPr txBox="1"/>
+          <p:nvPr/>
+        </p:nvSpPr>
+        <p:spPr>
+          <a:xfrm>
+            <a:off x="360000" y="360000"/>
+            <a:ext cx="9359640" cy="899640"/>
+          </a:xfrm>
+          <a:prstGeom prst="rect">
+            <a:avLst/>
+          </a:prstGeom>
+          <a:noFill/>
+          <a:ln>
+            <a:noFill/>
+          </a:ln>
+        </p:spPr>
+        <p:txBody>
+          <a:bodyPr lIns="0" rIns="0" tIns="0" bIns="0" anchor="ctr"/>
+          <a:p>
+            <a:pPr algn="ctr"/>
+            <a:endParaRPr b="0" lang="es-PE" sz="4400" spc="-1" strike="noStrike">
+              <a:latin typeface="Arial"/>
+            </a:endParaRPr>
+          </a:p>
+        </p:txBody>
+      </p:sp>
+      <p:sp>
+        <p:nvSpPr>
+          <p:cNvPr id="90" name="TextShape 2"/>
+          <p:cNvSpPr txBox="1"/>
+          <p:nvPr/>
+        </p:nvSpPr>
+        <p:spPr>
+          <a:xfrm>
+            <a:off x="360000" y="1980000"/>
+            <a:ext cx="4479480" cy="4679640"/>
+          </a:xfrm>
+          <a:prstGeom prst="rect">
+            <a:avLst/>
+          </a:prstGeom>
+          <a:noFill/>
+          <a:ln>
+            <a:noFill/>
+          </a:ln>
+        </p:spPr>
+        <p:txBody>
+          <a:bodyPr lIns="0" rIns="0" tIns="0" bIns="0">
+            <a:normAutofit/>
+          </a:bodyPr>
+          <a:p>
+            <a:r>
+              <a:rPr b="0" lang="es-PE" sz="3200" spc="-1" strike="noStrike">
+                <a:latin typeface="Arial"/>
+                <a:ea typeface="Noto Sans CJK SC Regular"/>
+              </a:rPr>
+              <a:t>Vignette Calibration</a:t>
+            </a:r>
+            <a:endParaRPr b="0" lang="es-PE" sz="3200" spc="-1" strike="noStrike">
+              <a:latin typeface="Arial"/>
+            </a:endParaRPr>
+          </a:p>
+        </p:txBody>
+      </p:sp>
+      <p:pic>
+        <p:nvPicPr>
+          <p:cNvPr id="91" name="" descr=""/>
+          <p:cNvPicPr/>
+          <p:nvPr/>
+        </p:nvPicPr>
+        <p:blipFill>
+          <a:blip r:embed="rId1"/>
+          <a:stretch/>
+        </p:blipFill>
+        <p:spPr>
+          <a:xfrm>
+            <a:off x="5078880" y="1979640"/>
+            <a:ext cx="4448520" cy="4679640"/>
+          </a:xfrm>
+          <a:prstGeom prst="rect">
+            <a:avLst/>
+          </a:prstGeom>
+          <a:ln>
+            <a:noFill/>
+          </a:ln>
+        </p:spPr>
+      </p:pic>
+    </p:spTree>
+  </p:cSld>
+  <p:timing>
+    <p:tnLst>
+      <p:par>
+        <p:cTn id="7" dur="indefinite" restart="never" nodeType="tmRoot">
+          <p:childTnLst>
+            <p:seq>
+              <p:cTn id="8" nodeType="mainSeq"/>
+              <p:prevCondLst>
+                <p:cond delay="0" evt="onPrev">
+                  <p:tgtEl>
+                    <p:sldTgt/>
+                  </p:tgtEl>
+                </p:cond>
+              </p:prevCondLst>
+              <p:nextCondLst>
+                <p:cond delay="0" evt="onNext">
+                  <p:tgtEl>
+                    <p:sldTgt/>
+                  </p:tgtEl>
+                </p:cond>
+              </p:nextCondLst>
+            </p:seq>
+          </p:childTnLst>
+        </p:cTn>
+      </p:par>
+    </p:tnLst>
+  </p:timing>
+</p:sld>
+</file>
+
+<file path=ppt/slides/slide5.xml><?xml version="1.0" encoding="utf-8"?>
+<p:sld xmlns:a="http://schemas.openxmlformats.org/drawingml/2006/main" xmlns:p="http://schemas.openxmlformats.org/presentationml/2006/main" xmlns:r="http://schemas.openxmlformats.org/officeDocument/2006/relationships" xmlns:p14="http://schemas.microsoft.com/office/powerpoint/2010/main" xmlns:p15="http://schemas.microsoft.com/office/powerpoint/2012/main" xmlns:mc="http://schemas.openxmlformats.org/markup-compatibility/2006">
+  <p:cSld>
+    <p:spTree>
+      <p:nvGrpSpPr>
+        <p:cNvPr id="1" name=""/>
+        <p:cNvGrpSpPr/>
+        <p:nvPr/>
+      </p:nvGrpSpPr>
+      <p:grpSpPr>
+        <a:xfrm>
+          <a:off x="0" y="0"/>
+          <a:ext cx="0" cy="0"/>
+          <a:chOff x="0" y="0"/>
+          <a:chExt cx="0" cy="0"/>
+        </a:xfrm>
+      </p:grpSpPr>
+      <p:sp>
+        <p:nvSpPr>
+          <p:cNvPr id="92" name="TextShape 1"/>
+          <p:cNvSpPr txBox="1"/>
+          <p:nvPr/>
+        </p:nvSpPr>
+        <p:spPr>
+          <a:xfrm>
+            <a:off x="360000" y="360000"/>
+            <a:ext cx="9359640" cy="899640"/>
+          </a:xfrm>
+          <a:prstGeom prst="rect">
+            <a:avLst/>
+          </a:prstGeom>
+          <a:noFill/>
+          <a:ln>
+            <a:noFill/>
+          </a:ln>
+        </p:spPr>
+        <p:txBody>
+          <a:bodyPr lIns="0" rIns="0" tIns="0" bIns="0" anchor="ctr"/>
+          <a:p>
+            <a:pPr algn="ctr"/>
+            <a:endParaRPr b="0" lang="es-PE" sz="4400" spc="-1" strike="noStrike">
+              <a:latin typeface="Arial"/>
+            </a:endParaRPr>
+          </a:p>
+        </p:txBody>
+      </p:sp>
+      <p:sp>
+        <p:nvSpPr>
+          <p:cNvPr id="93" name="TextShape 2"/>
+          <p:cNvSpPr txBox="1"/>
+          <p:nvPr/>
+        </p:nvSpPr>
+        <p:spPr>
+          <a:xfrm>
+            <a:off x="360000" y="1980000"/>
+            <a:ext cx="4479480" cy="4679640"/>
+          </a:xfrm>
+          <a:prstGeom prst="rect">
+            <a:avLst/>
+          </a:prstGeom>
+          <a:noFill/>
+          <a:ln>
+            <a:noFill/>
+          </a:ln>
+        </p:spPr>
+        <p:txBody>
+          <a:bodyPr lIns="0" rIns="0" tIns="0" bIns="0">
+            <a:normAutofit/>
+          </a:bodyPr>
+          <a:p>
+            <a:pPr marL="432000" indent="-324000">
+              <a:spcBef>
+                <a:spcPts val="1417"/>
+              </a:spcBef>
+              <a:buClr>
+                <a:srgbClr val="000000"/>
+              </a:buClr>
+              <a:buSzPct val="45000"/>
+              <a:buFont typeface="Wingdings" charset="2"/>
+              <a:buChar char=""/>
+            </a:pPr>
+            <a:r>
+              <a:rPr b="0" lang="es-PE" sz="3200" spc="-1" strike="noStrike">
+                <a:latin typeface="Arial"/>
+              </a:rPr>
+              <a:t>Rastreos de imagenes</a:t>
+            </a:r>
+            <a:endParaRPr b="0" lang="es-PE" sz="3200" spc="-1" strike="noStrike">
+              <a:latin typeface="Arial"/>
+            </a:endParaRPr>
+          </a:p>
+        </p:txBody>
+      </p:sp>
+      <p:pic>
+        <p:nvPicPr>
+          <p:cNvPr id="94" name="" descr=""/>
+          <p:cNvPicPr/>
+          <p:nvPr/>
+        </p:nvPicPr>
+        <p:blipFill>
+          <a:blip r:embed="rId1"/>
+          <a:stretch/>
+        </p:blipFill>
+        <p:spPr>
+          <a:xfrm>
+            <a:off x="5063400" y="2612880"/>
+            <a:ext cx="4479480" cy="3413160"/>
+          </a:xfrm>
+          <a:prstGeom prst="rect">
+            <a:avLst/>
+          </a:prstGeom>
+          <a:ln>
+            <a:noFill/>
+          </a:ln>
+        </p:spPr>
+      </p:pic>
+    </p:spTree>
+  </p:cSld>
+  <p:timing>
+    <p:tnLst>
+      <p:par>
+        <p:cTn id="9" dur="indefinite" restart="never" nodeType="tmRoot">
+          <p:childTnLst>
+            <p:seq>
+              <p:cTn id="10" nodeType="mainSeq"/>
+              <p:prevCondLst>
+                <p:cond delay="0" evt="onPrev">
+                  <p:tgtEl>
+                    <p:sldTgt/>
+                  </p:tgtEl>
+                </p:cond>
+              </p:prevCondLst>
+              <p:nextCondLst>
+                <p:cond delay="0" evt="onNext">
+                  <p:tgtEl>
+                    <p:sldTgt/>
+                  </p:tgtEl>
+                </p:cond>
+              </p:nextCondLst>
+            </p:seq>
+          </p:childTnLst>
+        </p:cTn>
+      </p:par>
+    </p:tnLst>
+  </p:timing>
+</p:sld>
+</file>
+
+<file path=ppt/slides/slide6.xml><?xml version="1.0" encoding="utf-8"?>
+<p:sld xmlns:a="http://schemas.openxmlformats.org/drawingml/2006/main" xmlns:p="http://schemas.openxmlformats.org/presentationml/2006/main" xmlns:r="http://schemas.openxmlformats.org/officeDocument/2006/relationships" xmlns:p14="http://schemas.microsoft.com/office/powerpoint/2010/main" xmlns:p15="http://schemas.microsoft.com/office/powerpoint/2012/main" xmlns:mc="http://schemas.openxmlformats.org/markup-compatibility/2006">
+  <p:cSld>
+    <p:spTree>
+      <p:nvGrpSpPr>
+        <p:cNvPr id="1" name=""/>
+        <p:cNvGrpSpPr/>
+        <p:nvPr/>
+      </p:nvGrpSpPr>
+      <p:grpSpPr>
+        <a:xfrm>
+          <a:off x="0" y="0"/>
+          <a:ext cx="0" cy="0"/>
+          <a:chOff x="0" y="0"/>
+          <a:chExt cx="0" cy="0"/>
+        </a:xfrm>
+      </p:grpSpPr>
+      <p:sp>
+        <p:nvSpPr>
+          <p:cNvPr id="95" name="TextShape 1"/>
+          <p:cNvSpPr txBox="1"/>
+          <p:nvPr/>
+        </p:nvSpPr>
+        <p:spPr>
+          <a:xfrm>
+            <a:off x="360000" y="360000"/>
+            <a:ext cx="9359640" cy="899640"/>
+          </a:xfrm>
+          <a:prstGeom prst="rect">
+            <a:avLst/>
+          </a:prstGeom>
+          <a:noFill/>
+          <a:ln>
+            <a:noFill/>
+          </a:ln>
+        </p:spPr>
+        <p:txBody>
+          <a:bodyPr lIns="0" rIns="0" tIns="0" bIns="0" anchor="ctr"/>
+          <a:p>
+            <a:pPr algn="ctr"/>
+            <a:endParaRPr b="0" lang="es-PE" sz="4400" spc="-1" strike="noStrike">
+              <a:latin typeface="Arial"/>
+            </a:endParaRPr>
+          </a:p>
+        </p:txBody>
+      </p:sp>
+      <p:sp>
+        <p:nvSpPr>
+          <p:cNvPr id="96" name="TextShape 2"/>
+          <p:cNvSpPr txBox="1"/>
+          <p:nvPr/>
+        </p:nvSpPr>
+        <p:spPr>
+          <a:xfrm>
+            <a:off x="360000" y="1980000"/>
+            <a:ext cx="4479480" cy="4679640"/>
+          </a:xfrm>
+          <a:prstGeom prst="rect">
+            <a:avLst/>
+          </a:prstGeom>
+          <a:noFill/>
+          <a:ln>
+            <a:noFill/>
+          </a:ln>
+        </p:spPr>
+        <p:txBody>
+          <a:bodyPr lIns="0" rIns="0" tIns="0" bIns="0">
+            <a:normAutofit/>
+          </a:bodyPr>
+          <a:p>
+            <a:pPr marL="432000" indent="-324000">
+              <a:spcBef>
+                <a:spcPts val="1417"/>
+              </a:spcBef>
+              <a:buClr>
+                <a:srgbClr val="000000"/>
+              </a:buClr>
+              <a:buSzPct val="45000"/>
+              <a:buFont typeface="Wingdings" charset="2"/>
+              <a:buChar char=""/>
+            </a:pPr>
+            <a:r>
+              <a:rPr b="0" lang="es-PE" sz="3200" spc="-1" strike="noStrike">
+                <a:latin typeface="Arial"/>
+              </a:rPr>
+              <a:t>Error de rastreo</a:t>
+            </a:r>
+            <a:endParaRPr b="0" lang="es-PE" sz="3200" spc="-1" strike="noStrike">
+              <a:latin typeface="Arial"/>
+            </a:endParaRPr>
+          </a:p>
+        </p:txBody>
+      </p:sp>
+      <p:pic>
+        <p:nvPicPr>
+          <p:cNvPr id="97" name="" descr=""/>
+          <p:cNvPicPr/>
+          <p:nvPr/>
+        </p:nvPicPr>
+        <p:blipFill>
+          <a:blip r:embed="rId1"/>
+          <a:stretch/>
+        </p:blipFill>
+        <p:spPr>
+          <a:xfrm>
+            <a:off x="5063400" y="2147400"/>
+            <a:ext cx="4479480" cy="4344120"/>
+          </a:xfrm>
+          <a:prstGeom prst="rect">
+            <a:avLst/>
+          </a:prstGeom>
+          <a:ln>
+            <a:noFill/>
+          </a:ln>
+        </p:spPr>
+      </p:pic>
+    </p:spTree>
+  </p:cSld>
+  <p:timing>
+    <p:tnLst>
+      <p:par>
+        <p:cTn id="11" dur="indefinite" restart="never" nodeType="tmRoot">
+          <p:childTnLst>
+            <p:seq>
+              <p:cTn id="12" nodeType="mainSeq"/>
+              <p:prevCondLst>
+                <p:cond delay="0" evt="onPrev">
+                  <p:tgtEl>
+                    <p:sldTgt/>
+                  </p:tgtEl>
+                </p:cond>
+              </p:prevCondLst>
+              <p:nextCondLst>
+                <p:cond delay="0" evt="onNext">
+                  <p:tgtEl>
+                    <p:sldTgt/>
+                  </p:tgtEl>
+                </p:cond>
+              </p:nextCondLst>
+            </p:seq>
+          </p:childTnLst>
+        </p:cTn>
+      </p:par>
+    </p:tnLst>
+  </p:timing>
+</p:sld>
+</file>
+
+<file path=ppt/slides/slide7.xml><?xml version="1.0" encoding="utf-8"?>
+<p:sld xmlns:a="http://schemas.openxmlformats.org/drawingml/2006/main" xmlns:p="http://schemas.openxmlformats.org/presentationml/2006/main" xmlns:r="http://schemas.openxmlformats.org/officeDocument/2006/relationships" xmlns:p14="http://schemas.microsoft.com/office/powerpoint/2010/main" xmlns:p15="http://schemas.microsoft.com/office/powerpoint/2012/main" xmlns:mc="http://schemas.openxmlformats.org/markup-compatibility/2006">
+  <p:cSld>
+    <p:spTree>
+      <p:nvGrpSpPr>
+        <p:cNvPr id="1" name=""/>
+        <p:cNvGrpSpPr/>
+        <p:nvPr/>
+      </p:nvGrpSpPr>
+      <p:grpSpPr>
+        <a:xfrm>
+          <a:off x="0" y="0"/>
+          <a:ext cx="0" cy="0"/>
+          <a:chOff x="0" y="0"/>
+          <a:chExt cx="0" cy="0"/>
+        </a:xfrm>
+      </p:grpSpPr>
+      <p:sp>
+        <p:nvSpPr>
+          <p:cNvPr id="98" name="TextShape 1"/>
+          <p:cNvSpPr txBox="1"/>
+          <p:nvPr/>
+        </p:nvSpPr>
+        <p:spPr>
+          <a:xfrm>
+            <a:off x="359640" y="3380040"/>
+            <a:ext cx="4479480" cy="1879200"/>
+          </a:xfrm>
+          <a:prstGeom prst="rect">
+            <a:avLst/>
+          </a:prstGeom>
+          <a:noFill/>
+          <a:ln>
+            <a:noFill/>
+          </a:ln>
+        </p:spPr>
+        <p:txBody>
+          <a:bodyPr lIns="0" rIns="0" tIns="0" bIns="0">
+            <a:normAutofit/>
+          </a:bodyPr>
+          <a:p>
+            <a:pPr marL="432000" indent="-324000">
+              <a:spcBef>
+                <a:spcPts val="1417"/>
+              </a:spcBef>
+              <a:buClr>
+                <a:srgbClr val="000000"/>
+              </a:buClr>
+              <a:buSzPct val="45000"/>
+              <a:buFont typeface="Wingdings" charset="2"/>
+              <a:buChar char=""/>
+            </a:pPr>
+            <a:r>
+              <a:rPr b="0" lang="es-PE" sz="3200" spc="-1" strike="noStrike">
+                <a:latin typeface="Arial"/>
+              </a:rPr>
+              <a:t>Error por dimensionalidad</a:t>
+            </a:r>
+            <a:endParaRPr b="0" lang="es-PE" sz="3200" spc="-1" strike="noStrike">
+              <a:latin typeface="Arial"/>
+            </a:endParaRPr>
+          </a:p>
+        </p:txBody>
+      </p:sp>
+      <p:sp>
+        <p:nvSpPr>
+          <p:cNvPr id="99" name="TextShape 2"/>
+          <p:cNvSpPr txBox="1"/>
+          <p:nvPr/>
+        </p:nvSpPr>
+        <p:spPr>
+          <a:xfrm>
+            <a:off x="360000" y="360000"/>
+            <a:ext cx="9359640" cy="899640"/>
+          </a:xfrm>
+          <a:prstGeom prst="rect">
+            <a:avLst/>
+          </a:prstGeom>
+          <a:noFill/>
+          <a:ln>
+            <a:noFill/>
+          </a:ln>
+        </p:spPr>
+        <p:txBody>
+          <a:bodyPr lIns="0" rIns="0" tIns="0" bIns="0" anchor="ctr"/>
+          <a:p>
+            <a:pPr algn="ctr"/>
+            <a:endParaRPr b="0" lang="es-PE" sz="4400" spc="-1" strike="noStrike">
+              <a:latin typeface="Arial"/>
+            </a:endParaRPr>
+          </a:p>
+        </p:txBody>
+      </p:sp>
+      <p:pic>
+        <p:nvPicPr>
+          <p:cNvPr id="100" name="" descr=""/>
+          <p:cNvPicPr/>
+          <p:nvPr/>
+        </p:nvPicPr>
+        <p:blipFill>
+          <a:blip r:embed="rId1"/>
+          <a:stretch/>
+        </p:blipFill>
+        <p:spPr>
+          <a:xfrm>
+            <a:off x="5063400" y="2156400"/>
+            <a:ext cx="4479480" cy="1879200"/>
+          </a:xfrm>
+          <a:prstGeom prst="rect">
+            <a:avLst/>
+          </a:prstGeom>
+          <a:ln>
+            <a:noFill/>
+          </a:ln>
+        </p:spPr>
+      </p:pic>
+      <p:pic>
+        <p:nvPicPr>
+          <p:cNvPr id="101" name="" descr=""/>
+          <p:cNvPicPr/>
+          <p:nvPr/>
+        </p:nvPicPr>
+        <p:blipFill>
+          <a:blip r:embed="rId2"/>
+          <a:stretch/>
+        </p:blipFill>
+        <p:spPr>
+          <a:xfrm>
+            <a:off x="5063400" y="4614840"/>
+            <a:ext cx="4479480" cy="1851120"/>
+          </a:xfrm>
+          <a:prstGeom prst="rect">
+            <a:avLst/>
+          </a:prstGeom>
+          <a:ln>
+            <a:noFill/>
+          </a:ln>
+        </p:spPr>
+      </p:pic>
+    </p:spTree>
+  </p:cSld>
+  <p:timing>
+    <p:tnLst>
+      <p:par>
+        <p:cTn id="13" dur="indefinite" restart="never" nodeType="tmRoot">
+          <p:childTnLst>
+            <p:seq>
+              <p:cTn id="14" nodeType="mainSeq"/>
+              <p:prevCondLst>
+                <p:cond delay="0" evt="onPrev">
+                  <p:tgtEl>
+                    <p:sldTgt/>
+                  </p:tgtEl>
+                </p:cond>
+              </p:prevCondLst>
+              <p:nextCondLst>
+                <p:cond delay="0" evt="onNext">
+                  <p:tgtEl>
+                    <p:sldTgt/>
+                  </p:tgtEl>
+                </p:cond>
+              </p:nextCondLst>
+            </p:seq>
+          </p:childTnLst>
+        </p:cTn>
+      </p:par>
+    </p:tnLst>
+  </p:timing>
 </p:sld>
 </file>
 
